--- a/DOC/240911_메모리기초.pptx
+++ b/DOC/240911_메모리기초.pptx
@@ -20,9 +20,10 @@
     <p:sldId id="331" r:id="rId14"/>
     <p:sldId id="335" r:id="rId15"/>
     <p:sldId id="332" r:id="rId16"/>
-    <p:sldId id="333" r:id="rId17"/>
-    <p:sldId id="321" r:id="rId18"/>
-    <p:sldId id="322" r:id="rId19"/>
+    <p:sldId id="336" r:id="rId17"/>
+    <p:sldId id="333" r:id="rId18"/>
+    <p:sldId id="321" r:id="rId19"/>
+    <p:sldId id="322" r:id="rId20"/>
   </p:sldIdLst>
   <p:sldSz cx="12192000" cy="6858000"/>
   <p:notesSz cx="6858000" cy="9144000"/>
@@ -6392,7 +6393,7 @@
               <a:t> </a:t>
             </a:r>
             <a:r>
-              <a:rPr lang="ko-KR" altLang="en-US"/>
+              <a:rPr lang="ko-KR" altLang="en-US" dirty="0"/>
               <a:t>라고 표현하는데</a:t>
             </a:r>
             <a:endParaRPr lang="en-US" altLang="ko-KR" dirty="0"/>
@@ -6459,6 +6460,3858 @@
           <a:chExt cx="0" cy="0"/>
         </a:xfrm>
       </p:grpSpPr>
+      <p:graphicFrame>
+        <p:nvGraphicFramePr>
+          <p:cNvPr id="2" name="표 1">
+            <a:extLst>
+              <a:ext uri="{FF2B5EF4-FFF2-40B4-BE49-F238E27FC236}">
+                <a16:creationId xmlns:a16="http://schemas.microsoft.com/office/drawing/2014/main" id="{75CF7B03-46EF-5862-862E-30374DE1EFB1}"/>
+              </a:ext>
+            </a:extLst>
+          </p:cNvPr>
+          <p:cNvGraphicFramePr>
+            <a:graphicFrameLocks noGrp="1"/>
+          </p:cNvGraphicFramePr>
+          <p:nvPr>
+            <p:extLst>
+              <p:ext uri="{D42A27DB-BD31-4B8C-83A1-F6EECF244321}">
+                <p14:modId xmlns:p14="http://schemas.microsoft.com/office/powerpoint/2010/main" val="225708170"/>
+              </p:ext>
+            </p:extLst>
+          </p:nvPr>
+        </p:nvGraphicFramePr>
+        <p:xfrm>
+          <a:off x="403225" y="1129240"/>
+          <a:ext cx="6064250" cy="5481110"/>
+        </p:xfrm>
+        <a:graphic>
+          <a:graphicData uri="http://schemas.openxmlformats.org/drawingml/2006/table">
+            <a:tbl>
+              <a:tblPr firstRow="1" bandRow="1">
+                <a:tableStyleId>{5940675A-B579-460E-94D1-54222C63F5DA}</a:tableStyleId>
+              </a:tblPr>
+              <a:tblGrid>
+                <a:gridCol w="606425">
+                  <a:extLst>
+                    <a:ext uri="{9D8B030D-6E8A-4147-A177-3AD203B41FA5}">
+                      <a16:colId xmlns:a16="http://schemas.microsoft.com/office/drawing/2014/main" val="1053436530"/>
+                    </a:ext>
+                  </a:extLst>
+                </a:gridCol>
+                <a:gridCol w="606425">
+                  <a:extLst>
+                    <a:ext uri="{9D8B030D-6E8A-4147-A177-3AD203B41FA5}">
+                      <a16:colId xmlns:a16="http://schemas.microsoft.com/office/drawing/2014/main" val="99972455"/>
+                    </a:ext>
+                  </a:extLst>
+                </a:gridCol>
+                <a:gridCol w="606425">
+                  <a:extLst>
+                    <a:ext uri="{9D8B030D-6E8A-4147-A177-3AD203B41FA5}">
+                      <a16:colId xmlns:a16="http://schemas.microsoft.com/office/drawing/2014/main" val="303274219"/>
+                    </a:ext>
+                  </a:extLst>
+                </a:gridCol>
+                <a:gridCol w="606425">
+                  <a:extLst>
+                    <a:ext uri="{9D8B030D-6E8A-4147-A177-3AD203B41FA5}">
+                      <a16:colId xmlns:a16="http://schemas.microsoft.com/office/drawing/2014/main" val="776841017"/>
+                    </a:ext>
+                  </a:extLst>
+                </a:gridCol>
+                <a:gridCol w="606425">
+                  <a:extLst>
+                    <a:ext uri="{9D8B030D-6E8A-4147-A177-3AD203B41FA5}">
+                      <a16:colId xmlns:a16="http://schemas.microsoft.com/office/drawing/2014/main" val="564924032"/>
+                    </a:ext>
+                  </a:extLst>
+                </a:gridCol>
+                <a:gridCol w="606425">
+                  <a:extLst>
+                    <a:ext uri="{9D8B030D-6E8A-4147-A177-3AD203B41FA5}">
+                      <a16:colId xmlns:a16="http://schemas.microsoft.com/office/drawing/2014/main" val="2054278420"/>
+                    </a:ext>
+                  </a:extLst>
+                </a:gridCol>
+                <a:gridCol w="606425">
+                  <a:extLst>
+                    <a:ext uri="{9D8B030D-6E8A-4147-A177-3AD203B41FA5}">
+                      <a16:colId xmlns:a16="http://schemas.microsoft.com/office/drawing/2014/main" val="3666179798"/>
+                    </a:ext>
+                  </a:extLst>
+                </a:gridCol>
+                <a:gridCol w="606425">
+                  <a:extLst>
+                    <a:ext uri="{9D8B030D-6E8A-4147-A177-3AD203B41FA5}">
+                      <a16:colId xmlns:a16="http://schemas.microsoft.com/office/drawing/2014/main" val="894375746"/>
+                    </a:ext>
+                  </a:extLst>
+                </a:gridCol>
+                <a:gridCol w="606425">
+                  <a:extLst>
+                    <a:ext uri="{9D8B030D-6E8A-4147-A177-3AD203B41FA5}">
+                      <a16:colId xmlns:a16="http://schemas.microsoft.com/office/drawing/2014/main" val="1765680280"/>
+                    </a:ext>
+                  </a:extLst>
+                </a:gridCol>
+                <a:gridCol w="606425">
+                  <a:extLst>
+                    <a:ext uri="{9D8B030D-6E8A-4147-A177-3AD203B41FA5}">
+                      <a16:colId xmlns:a16="http://schemas.microsoft.com/office/drawing/2014/main" val="1459270116"/>
+                    </a:ext>
+                  </a:extLst>
+                </a:gridCol>
+              </a:tblGrid>
+              <a:tr h="548111">
+                <a:tc>
+                  <a:txBody>
+                    <a:bodyPr/>
+                    <a:lstStyle/>
+                    <a:p>
+                      <a:pPr latinLnBrk="1"/>
+                      <a:endParaRPr lang="ko-KR" altLang="en-US" dirty="0"/>
+                    </a:p>
+                  </a:txBody>
+                  <a:tcPr>
+                    <a:solidFill>
+                      <a:schemeClr val="accent1"/>
+                    </a:solidFill>
+                  </a:tcPr>
+                </a:tc>
+                <a:tc>
+                  <a:txBody>
+                    <a:bodyPr/>
+                    <a:lstStyle/>
+                    <a:p>
+                      <a:pPr latinLnBrk="1"/>
+                      <a:endParaRPr lang="ko-KR" altLang="en-US" dirty="0"/>
+                    </a:p>
+                  </a:txBody>
+                  <a:tcPr>
+                    <a:solidFill>
+                      <a:schemeClr val="accent1"/>
+                    </a:solidFill>
+                  </a:tcPr>
+                </a:tc>
+                <a:tc>
+                  <a:txBody>
+                    <a:bodyPr/>
+                    <a:lstStyle/>
+                    <a:p>
+                      <a:pPr latinLnBrk="1"/>
+                      <a:endParaRPr lang="ko-KR" altLang="en-US" dirty="0"/>
+                    </a:p>
+                  </a:txBody>
+                  <a:tcPr>
+                    <a:solidFill>
+                      <a:schemeClr val="accent1"/>
+                    </a:solidFill>
+                  </a:tcPr>
+                </a:tc>
+                <a:tc>
+                  <a:txBody>
+                    <a:bodyPr/>
+                    <a:lstStyle/>
+                    <a:p>
+                      <a:pPr latinLnBrk="1"/>
+                      <a:endParaRPr lang="ko-KR" altLang="en-US"/>
+                    </a:p>
+                  </a:txBody>
+                  <a:tcPr>
+                    <a:solidFill>
+                      <a:schemeClr val="accent1"/>
+                    </a:solidFill>
+                  </a:tcPr>
+                </a:tc>
+                <a:tc>
+                  <a:txBody>
+                    <a:bodyPr/>
+                    <a:lstStyle/>
+                    <a:p>
+                      <a:pPr latinLnBrk="1"/>
+                      <a:endParaRPr lang="ko-KR" altLang="en-US" dirty="0"/>
+                    </a:p>
+                  </a:txBody>
+                  <a:tcPr>
+                    <a:solidFill>
+                      <a:schemeClr val="accent1"/>
+                    </a:solidFill>
+                  </a:tcPr>
+                </a:tc>
+                <a:tc>
+                  <a:txBody>
+                    <a:bodyPr/>
+                    <a:lstStyle/>
+                    <a:p>
+                      <a:pPr latinLnBrk="1"/>
+                      <a:endParaRPr lang="ko-KR" altLang="en-US" dirty="0"/>
+                    </a:p>
+                  </a:txBody>
+                  <a:tcPr>
+                    <a:solidFill>
+                      <a:schemeClr val="accent1"/>
+                    </a:solidFill>
+                  </a:tcPr>
+                </a:tc>
+                <a:tc>
+                  <a:txBody>
+                    <a:bodyPr/>
+                    <a:lstStyle/>
+                    <a:p>
+                      <a:pPr latinLnBrk="1"/>
+                      <a:endParaRPr lang="ko-KR" altLang="en-US" dirty="0"/>
+                    </a:p>
+                  </a:txBody>
+                  <a:tcPr>
+                    <a:solidFill>
+                      <a:schemeClr val="accent1"/>
+                    </a:solidFill>
+                  </a:tcPr>
+                </a:tc>
+                <a:tc>
+                  <a:txBody>
+                    <a:bodyPr/>
+                    <a:lstStyle/>
+                    <a:p>
+                      <a:pPr latinLnBrk="1"/>
+                      <a:endParaRPr lang="ko-KR" altLang="en-US"/>
+                    </a:p>
+                  </a:txBody>
+                  <a:tcPr>
+                    <a:solidFill>
+                      <a:schemeClr val="accent1"/>
+                    </a:solidFill>
+                  </a:tcPr>
+                </a:tc>
+                <a:tc>
+                  <a:txBody>
+                    <a:bodyPr/>
+                    <a:lstStyle/>
+                    <a:p>
+                      <a:pPr latinLnBrk="1"/>
+                      <a:endParaRPr lang="ko-KR" altLang="en-US" dirty="0"/>
+                    </a:p>
+                  </a:txBody>
+                  <a:tcPr>
+                    <a:solidFill>
+                      <a:schemeClr val="accent1"/>
+                    </a:solidFill>
+                  </a:tcPr>
+                </a:tc>
+                <a:tc>
+                  <a:txBody>
+                    <a:bodyPr/>
+                    <a:lstStyle/>
+                    <a:p>
+                      <a:pPr latinLnBrk="1"/>
+                      <a:endParaRPr lang="ko-KR" altLang="en-US" dirty="0"/>
+                    </a:p>
+                  </a:txBody>
+                  <a:tcPr>
+                    <a:solidFill>
+                      <a:schemeClr val="accent1"/>
+                    </a:solidFill>
+                  </a:tcPr>
+                </a:tc>
+                <a:extLst>
+                  <a:ext uri="{0D108BD9-81ED-4DB2-BD59-A6C34878D82A}">
+                    <a16:rowId xmlns:a16="http://schemas.microsoft.com/office/drawing/2014/main" val="1935825003"/>
+                  </a:ext>
+                </a:extLst>
+              </a:tr>
+              <a:tr h="548111">
+                <a:tc>
+                  <a:txBody>
+                    <a:bodyPr/>
+                    <a:lstStyle/>
+                    <a:p>
+                      <a:pPr latinLnBrk="1"/>
+                      <a:endParaRPr lang="ko-KR" altLang="en-US" dirty="0"/>
+                    </a:p>
+                  </a:txBody>
+                  <a:tcPr>
+                    <a:solidFill>
+                      <a:schemeClr val="accent1"/>
+                    </a:solidFill>
+                  </a:tcPr>
+                </a:tc>
+                <a:tc>
+                  <a:txBody>
+                    <a:bodyPr/>
+                    <a:lstStyle/>
+                    <a:p>
+                      <a:pPr latinLnBrk="1"/>
+                      <a:endParaRPr lang="ko-KR" altLang="en-US" dirty="0"/>
+                    </a:p>
+                  </a:txBody>
+                  <a:tcPr>
+                    <a:solidFill>
+                      <a:schemeClr val="accent1"/>
+                    </a:solidFill>
+                  </a:tcPr>
+                </a:tc>
+                <a:tc>
+                  <a:txBody>
+                    <a:bodyPr/>
+                    <a:lstStyle/>
+                    <a:p>
+                      <a:pPr latinLnBrk="1"/>
+                      <a:endParaRPr lang="ko-KR" altLang="en-US" dirty="0"/>
+                    </a:p>
+                  </a:txBody>
+                  <a:tcPr>
+                    <a:solidFill>
+                      <a:schemeClr val="accent1"/>
+                    </a:solidFill>
+                  </a:tcPr>
+                </a:tc>
+                <a:tc>
+                  <a:txBody>
+                    <a:bodyPr/>
+                    <a:lstStyle/>
+                    <a:p>
+                      <a:pPr latinLnBrk="1"/>
+                      <a:endParaRPr lang="ko-KR" altLang="en-US" dirty="0"/>
+                    </a:p>
+                  </a:txBody>
+                  <a:tcPr>
+                    <a:solidFill>
+                      <a:schemeClr val="accent1"/>
+                    </a:solidFill>
+                  </a:tcPr>
+                </a:tc>
+                <a:tc>
+                  <a:txBody>
+                    <a:bodyPr/>
+                    <a:lstStyle/>
+                    <a:p>
+                      <a:pPr latinLnBrk="1"/>
+                      <a:endParaRPr lang="ko-KR" altLang="en-US" dirty="0"/>
+                    </a:p>
+                  </a:txBody>
+                  <a:tcPr>
+                    <a:solidFill>
+                      <a:schemeClr val="accent1"/>
+                    </a:solidFill>
+                  </a:tcPr>
+                </a:tc>
+                <a:tc>
+                  <a:txBody>
+                    <a:bodyPr/>
+                    <a:lstStyle/>
+                    <a:p>
+                      <a:pPr latinLnBrk="1"/>
+                      <a:endParaRPr lang="ko-KR" altLang="en-US" dirty="0"/>
+                    </a:p>
+                  </a:txBody>
+                  <a:tcPr>
+                    <a:solidFill>
+                      <a:schemeClr val="accent1"/>
+                    </a:solidFill>
+                  </a:tcPr>
+                </a:tc>
+                <a:tc>
+                  <a:txBody>
+                    <a:bodyPr/>
+                    <a:lstStyle/>
+                    <a:p>
+                      <a:pPr latinLnBrk="1"/>
+                      <a:endParaRPr lang="ko-KR" altLang="en-US" dirty="0"/>
+                    </a:p>
+                  </a:txBody>
+                  <a:tcPr>
+                    <a:solidFill>
+                      <a:schemeClr val="accent1"/>
+                    </a:solidFill>
+                  </a:tcPr>
+                </a:tc>
+                <a:tc>
+                  <a:txBody>
+                    <a:bodyPr/>
+                    <a:lstStyle/>
+                    <a:p>
+                      <a:pPr latinLnBrk="1"/>
+                      <a:endParaRPr lang="ko-KR" altLang="en-US" dirty="0"/>
+                    </a:p>
+                  </a:txBody>
+                  <a:tcPr>
+                    <a:solidFill>
+                      <a:schemeClr val="accent1"/>
+                    </a:solidFill>
+                  </a:tcPr>
+                </a:tc>
+                <a:tc>
+                  <a:txBody>
+                    <a:bodyPr/>
+                    <a:lstStyle/>
+                    <a:p>
+                      <a:pPr latinLnBrk="1"/>
+                      <a:endParaRPr lang="ko-KR" altLang="en-US" dirty="0"/>
+                    </a:p>
+                  </a:txBody>
+                  <a:tcPr>
+                    <a:solidFill>
+                      <a:schemeClr val="accent1"/>
+                    </a:solidFill>
+                  </a:tcPr>
+                </a:tc>
+                <a:tc>
+                  <a:txBody>
+                    <a:bodyPr/>
+                    <a:lstStyle/>
+                    <a:p>
+                      <a:pPr latinLnBrk="1"/>
+                      <a:endParaRPr lang="ko-KR" altLang="en-US" dirty="0"/>
+                    </a:p>
+                  </a:txBody>
+                  <a:tcPr>
+                    <a:solidFill>
+                      <a:schemeClr val="accent1"/>
+                    </a:solidFill>
+                  </a:tcPr>
+                </a:tc>
+                <a:extLst>
+                  <a:ext uri="{0D108BD9-81ED-4DB2-BD59-A6C34878D82A}">
+                    <a16:rowId xmlns:a16="http://schemas.microsoft.com/office/drawing/2014/main" val="1435290322"/>
+                  </a:ext>
+                </a:extLst>
+              </a:tr>
+              <a:tr h="548111">
+                <a:tc>
+                  <a:txBody>
+                    <a:bodyPr/>
+                    <a:lstStyle/>
+                    <a:p>
+                      <a:pPr latinLnBrk="1"/>
+                      <a:endParaRPr lang="ko-KR" altLang="en-US" dirty="0"/>
+                    </a:p>
+                  </a:txBody>
+                  <a:tcPr>
+                    <a:solidFill>
+                      <a:schemeClr val="bg2">
+                        <a:lumMod val="50000"/>
+                      </a:schemeClr>
+                    </a:solidFill>
+                  </a:tcPr>
+                </a:tc>
+                <a:tc>
+                  <a:txBody>
+                    <a:bodyPr/>
+                    <a:lstStyle/>
+                    <a:p>
+                      <a:pPr latinLnBrk="1"/>
+                      <a:r>
+                        <a:rPr lang="en-US" altLang="ko-KR" dirty="0"/>
+                        <a:t>1</a:t>
+                      </a:r>
+                      <a:endParaRPr lang="ko-KR" altLang="en-US" dirty="0"/>
+                    </a:p>
+                  </a:txBody>
+                  <a:tcPr>
+                    <a:solidFill>
+                      <a:schemeClr val="bg2">
+                        <a:lumMod val="50000"/>
+                      </a:schemeClr>
+                    </a:solidFill>
+                  </a:tcPr>
+                </a:tc>
+                <a:tc>
+                  <a:txBody>
+                    <a:bodyPr/>
+                    <a:lstStyle/>
+                    <a:p>
+                      <a:pPr latinLnBrk="1"/>
+                      <a:r>
+                        <a:rPr lang="en-US" altLang="ko-KR" dirty="0"/>
+                        <a:t>5</a:t>
+                      </a:r>
+                      <a:endParaRPr lang="ko-KR" altLang="en-US" dirty="0"/>
+                    </a:p>
+                  </a:txBody>
+                  <a:tcPr>
+                    <a:solidFill>
+                      <a:schemeClr val="bg2">
+                        <a:lumMod val="50000"/>
+                      </a:schemeClr>
+                    </a:solidFill>
+                  </a:tcPr>
+                </a:tc>
+                <a:tc>
+                  <a:txBody>
+                    <a:bodyPr/>
+                    <a:lstStyle/>
+                    <a:p>
+                      <a:pPr latinLnBrk="1"/>
+                      <a:endParaRPr lang="ko-KR" altLang="en-US" dirty="0"/>
+                    </a:p>
+                  </a:txBody>
+                  <a:tcPr>
+                    <a:solidFill>
+                      <a:schemeClr val="bg2">
+                        <a:lumMod val="50000"/>
+                      </a:schemeClr>
+                    </a:solidFill>
+                  </a:tcPr>
+                </a:tc>
+                <a:tc>
+                  <a:txBody>
+                    <a:bodyPr/>
+                    <a:lstStyle/>
+                    <a:p>
+                      <a:pPr latinLnBrk="1"/>
+                      <a:endParaRPr lang="ko-KR" altLang="en-US" dirty="0"/>
+                    </a:p>
+                  </a:txBody>
+                  <a:tcPr>
+                    <a:solidFill>
+                      <a:schemeClr val="accent1"/>
+                    </a:solidFill>
+                  </a:tcPr>
+                </a:tc>
+                <a:tc>
+                  <a:txBody>
+                    <a:bodyPr/>
+                    <a:lstStyle/>
+                    <a:p>
+                      <a:pPr latinLnBrk="1"/>
+                      <a:endParaRPr lang="ko-KR" altLang="en-US" dirty="0"/>
+                    </a:p>
+                  </a:txBody>
+                  <a:tcPr>
+                    <a:solidFill>
+                      <a:schemeClr val="accent1"/>
+                    </a:solidFill>
+                  </a:tcPr>
+                </a:tc>
+                <a:tc>
+                  <a:txBody>
+                    <a:bodyPr/>
+                    <a:lstStyle/>
+                    <a:p>
+                      <a:pPr latinLnBrk="1"/>
+                      <a:endParaRPr lang="ko-KR" altLang="en-US" dirty="0"/>
+                    </a:p>
+                  </a:txBody>
+                  <a:tcPr>
+                    <a:solidFill>
+                      <a:schemeClr val="accent1"/>
+                    </a:solidFill>
+                  </a:tcPr>
+                </a:tc>
+                <a:tc>
+                  <a:txBody>
+                    <a:bodyPr/>
+                    <a:lstStyle/>
+                    <a:p>
+                      <a:pPr latinLnBrk="1"/>
+                      <a:endParaRPr lang="ko-KR" altLang="en-US" dirty="0"/>
+                    </a:p>
+                  </a:txBody>
+                  <a:tcPr>
+                    <a:solidFill>
+                      <a:schemeClr val="accent1"/>
+                    </a:solidFill>
+                  </a:tcPr>
+                </a:tc>
+                <a:tc>
+                  <a:txBody>
+                    <a:bodyPr/>
+                    <a:lstStyle/>
+                    <a:p>
+                      <a:pPr latinLnBrk="1"/>
+                      <a:endParaRPr lang="ko-KR" altLang="en-US" dirty="0"/>
+                    </a:p>
+                  </a:txBody>
+                  <a:tcPr>
+                    <a:solidFill>
+                      <a:schemeClr val="accent1"/>
+                    </a:solidFill>
+                  </a:tcPr>
+                </a:tc>
+                <a:tc>
+                  <a:txBody>
+                    <a:bodyPr/>
+                    <a:lstStyle/>
+                    <a:p>
+                      <a:pPr latinLnBrk="1"/>
+                      <a:endParaRPr lang="ko-KR" altLang="en-US" dirty="0"/>
+                    </a:p>
+                  </a:txBody>
+                  <a:tcPr>
+                    <a:solidFill>
+                      <a:schemeClr val="accent1"/>
+                    </a:solidFill>
+                  </a:tcPr>
+                </a:tc>
+                <a:extLst>
+                  <a:ext uri="{0D108BD9-81ED-4DB2-BD59-A6C34878D82A}">
+                    <a16:rowId xmlns:a16="http://schemas.microsoft.com/office/drawing/2014/main" val="2983205141"/>
+                  </a:ext>
+                </a:extLst>
+              </a:tr>
+              <a:tr h="548111">
+                <a:tc>
+                  <a:txBody>
+                    <a:bodyPr/>
+                    <a:lstStyle/>
+                    <a:p>
+                      <a:pPr latinLnBrk="1"/>
+                      <a:endParaRPr lang="ko-KR" altLang="en-US" dirty="0"/>
+                    </a:p>
+                  </a:txBody>
+                  <a:tcPr>
+                    <a:solidFill>
+                      <a:schemeClr val="accent2">
+                        <a:lumMod val="60000"/>
+                        <a:lumOff val="40000"/>
+                      </a:schemeClr>
+                    </a:solidFill>
+                  </a:tcPr>
+                </a:tc>
+                <a:tc>
+                  <a:txBody>
+                    <a:bodyPr/>
+                    <a:lstStyle/>
+                    <a:p>
+                      <a:pPr latinLnBrk="1"/>
+                      <a:endParaRPr lang="ko-KR" altLang="en-US" dirty="0"/>
+                    </a:p>
+                  </a:txBody>
+                  <a:tcPr>
+                    <a:solidFill>
+                      <a:schemeClr val="accent2">
+                        <a:lumMod val="60000"/>
+                        <a:lumOff val="40000"/>
+                      </a:schemeClr>
+                    </a:solidFill>
+                  </a:tcPr>
+                </a:tc>
+                <a:tc>
+                  <a:txBody>
+                    <a:bodyPr/>
+                    <a:lstStyle/>
+                    <a:p>
+                      <a:pPr latinLnBrk="1"/>
+                      <a:endParaRPr lang="ko-KR" altLang="en-US" dirty="0"/>
+                    </a:p>
+                  </a:txBody>
+                  <a:tcPr>
+                    <a:solidFill>
+                      <a:schemeClr val="accent2">
+                        <a:lumMod val="60000"/>
+                        <a:lumOff val="40000"/>
+                      </a:schemeClr>
+                    </a:solidFill>
+                  </a:tcPr>
+                </a:tc>
+                <a:tc>
+                  <a:txBody>
+                    <a:bodyPr/>
+                    <a:lstStyle/>
+                    <a:p>
+                      <a:pPr latinLnBrk="1"/>
+                      <a:endParaRPr lang="ko-KR" altLang="en-US" dirty="0"/>
+                    </a:p>
+                  </a:txBody>
+                  <a:tcPr>
+                    <a:solidFill>
+                      <a:schemeClr val="accent2">
+                        <a:lumMod val="60000"/>
+                        <a:lumOff val="40000"/>
+                      </a:schemeClr>
+                    </a:solidFill>
+                  </a:tcPr>
+                </a:tc>
+                <a:tc>
+                  <a:txBody>
+                    <a:bodyPr/>
+                    <a:lstStyle/>
+                    <a:p>
+                      <a:pPr latinLnBrk="1"/>
+                      <a:endParaRPr lang="ko-KR" altLang="en-US" dirty="0"/>
+                    </a:p>
+                  </a:txBody>
+                  <a:tcPr>
+                    <a:solidFill>
+                      <a:schemeClr val="accent2">
+                        <a:lumMod val="60000"/>
+                        <a:lumOff val="40000"/>
+                      </a:schemeClr>
+                    </a:solidFill>
+                  </a:tcPr>
+                </a:tc>
+                <a:tc>
+                  <a:txBody>
+                    <a:bodyPr/>
+                    <a:lstStyle/>
+                    <a:p>
+                      <a:pPr latinLnBrk="1"/>
+                      <a:endParaRPr lang="ko-KR" altLang="en-US" dirty="0"/>
+                    </a:p>
+                  </a:txBody>
+                  <a:tcPr>
+                    <a:solidFill>
+                      <a:schemeClr val="accent2">
+                        <a:lumMod val="60000"/>
+                        <a:lumOff val="40000"/>
+                      </a:schemeClr>
+                    </a:solidFill>
+                  </a:tcPr>
+                </a:tc>
+                <a:tc>
+                  <a:txBody>
+                    <a:bodyPr/>
+                    <a:lstStyle/>
+                    <a:p>
+                      <a:pPr latinLnBrk="1"/>
+                      <a:endParaRPr lang="ko-KR" altLang="en-US" dirty="0"/>
+                    </a:p>
+                  </a:txBody>
+                  <a:tcPr>
+                    <a:solidFill>
+                      <a:schemeClr val="accent2">
+                        <a:lumMod val="60000"/>
+                        <a:lumOff val="40000"/>
+                      </a:schemeClr>
+                    </a:solidFill>
+                  </a:tcPr>
+                </a:tc>
+                <a:tc>
+                  <a:txBody>
+                    <a:bodyPr/>
+                    <a:lstStyle/>
+                    <a:p>
+                      <a:pPr latinLnBrk="1"/>
+                      <a:endParaRPr lang="ko-KR" altLang="en-US" dirty="0"/>
+                    </a:p>
+                  </a:txBody>
+                  <a:tcPr>
+                    <a:solidFill>
+                      <a:schemeClr val="accent2">
+                        <a:lumMod val="60000"/>
+                        <a:lumOff val="40000"/>
+                      </a:schemeClr>
+                    </a:solidFill>
+                  </a:tcPr>
+                </a:tc>
+                <a:tc>
+                  <a:txBody>
+                    <a:bodyPr/>
+                    <a:lstStyle/>
+                    <a:p>
+                      <a:pPr latinLnBrk="1"/>
+                      <a:endParaRPr lang="ko-KR" altLang="en-US" dirty="0"/>
+                    </a:p>
+                  </a:txBody>
+                  <a:tcPr>
+                    <a:solidFill>
+                      <a:schemeClr val="accent2">
+                        <a:lumMod val="60000"/>
+                        <a:lumOff val="40000"/>
+                      </a:schemeClr>
+                    </a:solidFill>
+                  </a:tcPr>
+                </a:tc>
+                <a:tc>
+                  <a:txBody>
+                    <a:bodyPr/>
+                    <a:lstStyle/>
+                    <a:p>
+                      <a:pPr latinLnBrk="1"/>
+                      <a:endParaRPr lang="ko-KR" altLang="en-US" dirty="0"/>
+                    </a:p>
+                  </a:txBody>
+                  <a:tcPr>
+                    <a:solidFill>
+                      <a:schemeClr val="accent2">
+                        <a:lumMod val="60000"/>
+                        <a:lumOff val="40000"/>
+                      </a:schemeClr>
+                    </a:solidFill>
+                  </a:tcPr>
+                </a:tc>
+                <a:extLst>
+                  <a:ext uri="{0D108BD9-81ED-4DB2-BD59-A6C34878D82A}">
+                    <a16:rowId xmlns:a16="http://schemas.microsoft.com/office/drawing/2014/main" val="98607314"/>
+                  </a:ext>
+                </a:extLst>
+              </a:tr>
+              <a:tr h="548111">
+                <a:tc>
+                  <a:txBody>
+                    <a:bodyPr/>
+                    <a:lstStyle/>
+                    <a:p>
+                      <a:pPr latinLnBrk="1"/>
+                      <a:endParaRPr lang="ko-KR" altLang="en-US" dirty="0"/>
+                    </a:p>
+                  </a:txBody>
+                  <a:tcPr>
+                    <a:solidFill>
+                      <a:schemeClr val="accent4">
+                        <a:lumMod val="75000"/>
+                      </a:schemeClr>
+                    </a:solidFill>
+                  </a:tcPr>
+                </a:tc>
+                <a:tc>
+                  <a:txBody>
+                    <a:bodyPr/>
+                    <a:lstStyle/>
+                    <a:p>
+                      <a:pPr latinLnBrk="1"/>
+                      <a:endParaRPr lang="ko-KR" altLang="en-US" dirty="0"/>
+                    </a:p>
+                  </a:txBody>
+                  <a:tcPr>
+                    <a:solidFill>
+                      <a:schemeClr val="accent4">
+                        <a:lumMod val="75000"/>
+                      </a:schemeClr>
+                    </a:solidFill>
+                  </a:tcPr>
+                </a:tc>
+                <a:tc>
+                  <a:txBody>
+                    <a:bodyPr/>
+                    <a:lstStyle/>
+                    <a:p>
+                      <a:pPr latinLnBrk="1"/>
+                      <a:endParaRPr lang="ko-KR" altLang="en-US" dirty="0"/>
+                    </a:p>
+                  </a:txBody>
+                  <a:tcPr>
+                    <a:solidFill>
+                      <a:schemeClr val="accent4">
+                        <a:lumMod val="75000"/>
+                      </a:schemeClr>
+                    </a:solidFill>
+                  </a:tcPr>
+                </a:tc>
+                <a:tc>
+                  <a:txBody>
+                    <a:bodyPr/>
+                    <a:lstStyle/>
+                    <a:p>
+                      <a:pPr latinLnBrk="1"/>
+                      <a:endParaRPr lang="ko-KR" altLang="en-US" dirty="0"/>
+                    </a:p>
+                  </a:txBody>
+                  <a:tcPr>
+                    <a:solidFill>
+                      <a:schemeClr val="accent4">
+                        <a:lumMod val="75000"/>
+                      </a:schemeClr>
+                    </a:solidFill>
+                  </a:tcPr>
+                </a:tc>
+                <a:tc>
+                  <a:txBody>
+                    <a:bodyPr/>
+                    <a:lstStyle/>
+                    <a:p>
+                      <a:pPr latinLnBrk="1"/>
+                      <a:endParaRPr lang="ko-KR" altLang="en-US"/>
+                    </a:p>
+                  </a:txBody>
+                  <a:tcPr>
+                    <a:solidFill>
+                      <a:schemeClr val="accent4">
+                        <a:lumMod val="75000"/>
+                      </a:schemeClr>
+                    </a:solidFill>
+                  </a:tcPr>
+                </a:tc>
+                <a:tc>
+                  <a:txBody>
+                    <a:bodyPr/>
+                    <a:lstStyle/>
+                    <a:p>
+                      <a:pPr latinLnBrk="1"/>
+                      <a:endParaRPr lang="ko-KR" altLang="en-US" dirty="0"/>
+                    </a:p>
+                  </a:txBody>
+                  <a:tcPr>
+                    <a:solidFill>
+                      <a:schemeClr val="accent4">
+                        <a:lumMod val="75000"/>
+                      </a:schemeClr>
+                    </a:solidFill>
+                  </a:tcPr>
+                </a:tc>
+                <a:tc>
+                  <a:txBody>
+                    <a:bodyPr/>
+                    <a:lstStyle/>
+                    <a:p>
+                      <a:pPr latinLnBrk="1"/>
+                      <a:endParaRPr lang="ko-KR" altLang="en-US" dirty="0"/>
+                    </a:p>
+                  </a:txBody>
+                  <a:tcPr>
+                    <a:solidFill>
+                      <a:schemeClr val="accent4">
+                        <a:lumMod val="75000"/>
+                      </a:schemeClr>
+                    </a:solidFill>
+                  </a:tcPr>
+                </a:tc>
+                <a:tc>
+                  <a:txBody>
+                    <a:bodyPr/>
+                    <a:lstStyle/>
+                    <a:p>
+                      <a:pPr latinLnBrk="1"/>
+                      <a:endParaRPr lang="ko-KR" altLang="en-US" dirty="0"/>
+                    </a:p>
+                  </a:txBody>
+                  <a:tcPr>
+                    <a:solidFill>
+                      <a:schemeClr val="accent4">
+                        <a:lumMod val="75000"/>
+                      </a:schemeClr>
+                    </a:solidFill>
+                  </a:tcPr>
+                </a:tc>
+                <a:tc>
+                  <a:txBody>
+                    <a:bodyPr/>
+                    <a:lstStyle/>
+                    <a:p>
+                      <a:pPr latinLnBrk="1"/>
+                      <a:endParaRPr lang="ko-KR" altLang="en-US" dirty="0"/>
+                    </a:p>
+                  </a:txBody>
+                  <a:tcPr>
+                    <a:solidFill>
+                      <a:schemeClr val="accent4">
+                        <a:lumMod val="75000"/>
+                      </a:schemeClr>
+                    </a:solidFill>
+                  </a:tcPr>
+                </a:tc>
+                <a:tc>
+                  <a:txBody>
+                    <a:bodyPr/>
+                    <a:lstStyle/>
+                    <a:p>
+                      <a:pPr latinLnBrk="1"/>
+                      <a:endParaRPr lang="ko-KR" altLang="en-US" dirty="0"/>
+                    </a:p>
+                  </a:txBody>
+                  <a:tcPr>
+                    <a:solidFill>
+                      <a:schemeClr val="accent4">
+                        <a:lumMod val="75000"/>
+                      </a:schemeClr>
+                    </a:solidFill>
+                  </a:tcPr>
+                </a:tc>
+                <a:extLst>
+                  <a:ext uri="{0D108BD9-81ED-4DB2-BD59-A6C34878D82A}">
+                    <a16:rowId xmlns:a16="http://schemas.microsoft.com/office/drawing/2014/main" val="3577097172"/>
+                  </a:ext>
+                </a:extLst>
+              </a:tr>
+              <a:tr h="548111">
+                <a:tc>
+                  <a:txBody>
+                    <a:bodyPr/>
+                    <a:lstStyle/>
+                    <a:p>
+                      <a:pPr latinLnBrk="1"/>
+                      <a:endParaRPr lang="ko-KR" altLang="en-US" dirty="0"/>
+                    </a:p>
+                  </a:txBody>
+                  <a:tcPr>
+                    <a:solidFill>
+                      <a:schemeClr val="accent6">
+                        <a:lumMod val="75000"/>
+                      </a:schemeClr>
+                    </a:solidFill>
+                  </a:tcPr>
+                </a:tc>
+                <a:tc>
+                  <a:txBody>
+                    <a:bodyPr/>
+                    <a:lstStyle/>
+                    <a:p>
+                      <a:pPr latinLnBrk="1"/>
+                      <a:endParaRPr lang="ko-KR" altLang="en-US" dirty="0"/>
+                    </a:p>
+                  </a:txBody>
+                  <a:tcPr>
+                    <a:solidFill>
+                      <a:schemeClr val="accent6">
+                        <a:lumMod val="75000"/>
+                      </a:schemeClr>
+                    </a:solidFill>
+                  </a:tcPr>
+                </a:tc>
+                <a:tc>
+                  <a:txBody>
+                    <a:bodyPr/>
+                    <a:lstStyle/>
+                    <a:p>
+                      <a:pPr latinLnBrk="1"/>
+                      <a:endParaRPr lang="ko-KR" altLang="en-US" dirty="0"/>
+                    </a:p>
+                  </a:txBody>
+                  <a:tcPr>
+                    <a:solidFill>
+                      <a:schemeClr val="accent6">
+                        <a:lumMod val="75000"/>
+                      </a:schemeClr>
+                    </a:solidFill>
+                  </a:tcPr>
+                </a:tc>
+                <a:tc>
+                  <a:txBody>
+                    <a:bodyPr/>
+                    <a:lstStyle/>
+                    <a:p>
+                      <a:pPr latinLnBrk="1"/>
+                      <a:endParaRPr lang="ko-KR" altLang="en-US"/>
+                    </a:p>
+                  </a:txBody>
+                  <a:tcPr>
+                    <a:solidFill>
+                      <a:schemeClr val="accent6">
+                        <a:lumMod val="75000"/>
+                      </a:schemeClr>
+                    </a:solidFill>
+                  </a:tcPr>
+                </a:tc>
+                <a:tc>
+                  <a:txBody>
+                    <a:bodyPr/>
+                    <a:lstStyle/>
+                    <a:p>
+                      <a:pPr latinLnBrk="1"/>
+                      <a:endParaRPr lang="ko-KR" altLang="en-US"/>
+                    </a:p>
+                  </a:txBody>
+                  <a:tcPr>
+                    <a:solidFill>
+                      <a:schemeClr val="accent6">
+                        <a:lumMod val="75000"/>
+                      </a:schemeClr>
+                    </a:solidFill>
+                  </a:tcPr>
+                </a:tc>
+                <a:tc>
+                  <a:txBody>
+                    <a:bodyPr/>
+                    <a:lstStyle/>
+                    <a:p>
+                      <a:pPr latinLnBrk="1"/>
+                      <a:endParaRPr lang="ko-KR" altLang="en-US"/>
+                    </a:p>
+                  </a:txBody>
+                  <a:tcPr>
+                    <a:solidFill>
+                      <a:schemeClr val="accent6">
+                        <a:lumMod val="75000"/>
+                      </a:schemeClr>
+                    </a:solidFill>
+                  </a:tcPr>
+                </a:tc>
+                <a:tc>
+                  <a:txBody>
+                    <a:bodyPr/>
+                    <a:lstStyle/>
+                    <a:p>
+                      <a:pPr latinLnBrk="1"/>
+                      <a:endParaRPr lang="ko-KR" altLang="en-US"/>
+                    </a:p>
+                  </a:txBody>
+                  <a:tcPr>
+                    <a:solidFill>
+                      <a:schemeClr val="accent6">
+                        <a:lumMod val="75000"/>
+                      </a:schemeClr>
+                    </a:solidFill>
+                  </a:tcPr>
+                </a:tc>
+                <a:tc>
+                  <a:txBody>
+                    <a:bodyPr/>
+                    <a:lstStyle/>
+                    <a:p>
+                      <a:pPr latinLnBrk="1"/>
+                      <a:endParaRPr lang="ko-KR" altLang="en-US" dirty="0"/>
+                    </a:p>
+                  </a:txBody>
+                  <a:tcPr>
+                    <a:solidFill>
+                      <a:schemeClr val="accent6">
+                        <a:lumMod val="75000"/>
+                      </a:schemeClr>
+                    </a:solidFill>
+                  </a:tcPr>
+                </a:tc>
+                <a:tc>
+                  <a:txBody>
+                    <a:bodyPr/>
+                    <a:lstStyle/>
+                    <a:p>
+                      <a:pPr latinLnBrk="1"/>
+                      <a:endParaRPr lang="ko-KR" altLang="en-US"/>
+                    </a:p>
+                  </a:txBody>
+                  <a:tcPr>
+                    <a:solidFill>
+                      <a:schemeClr val="accent6">
+                        <a:lumMod val="75000"/>
+                      </a:schemeClr>
+                    </a:solidFill>
+                  </a:tcPr>
+                </a:tc>
+                <a:tc>
+                  <a:txBody>
+                    <a:bodyPr/>
+                    <a:lstStyle/>
+                    <a:p>
+                      <a:pPr latinLnBrk="1"/>
+                      <a:endParaRPr lang="ko-KR" altLang="en-US" dirty="0"/>
+                    </a:p>
+                  </a:txBody>
+                  <a:tcPr>
+                    <a:solidFill>
+                      <a:schemeClr val="accent6">
+                        <a:lumMod val="75000"/>
+                      </a:schemeClr>
+                    </a:solidFill>
+                  </a:tcPr>
+                </a:tc>
+                <a:extLst>
+                  <a:ext uri="{0D108BD9-81ED-4DB2-BD59-A6C34878D82A}">
+                    <a16:rowId xmlns:a16="http://schemas.microsoft.com/office/drawing/2014/main" val="303899932"/>
+                  </a:ext>
+                </a:extLst>
+              </a:tr>
+              <a:tr h="548111">
+                <a:tc>
+                  <a:txBody>
+                    <a:bodyPr/>
+                    <a:lstStyle/>
+                    <a:p>
+                      <a:pPr latinLnBrk="1"/>
+                      <a:endParaRPr lang="ko-KR" altLang="en-US"/>
+                    </a:p>
+                  </a:txBody>
+                  <a:tcPr>
+                    <a:solidFill>
+                      <a:schemeClr val="accent6">
+                        <a:lumMod val="75000"/>
+                      </a:schemeClr>
+                    </a:solidFill>
+                  </a:tcPr>
+                </a:tc>
+                <a:tc>
+                  <a:txBody>
+                    <a:bodyPr/>
+                    <a:lstStyle/>
+                    <a:p>
+                      <a:pPr latinLnBrk="1"/>
+                      <a:endParaRPr lang="ko-KR" altLang="en-US"/>
+                    </a:p>
+                  </a:txBody>
+                  <a:tcPr>
+                    <a:solidFill>
+                      <a:schemeClr val="accent6">
+                        <a:lumMod val="75000"/>
+                      </a:schemeClr>
+                    </a:solidFill>
+                  </a:tcPr>
+                </a:tc>
+                <a:tc>
+                  <a:txBody>
+                    <a:bodyPr/>
+                    <a:lstStyle/>
+                    <a:p>
+                      <a:pPr latinLnBrk="1"/>
+                      <a:endParaRPr lang="ko-KR" altLang="en-US" dirty="0"/>
+                    </a:p>
+                  </a:txBody>
+                  <a:tcPr>
+                    <a:solidFill>
+                      <a:schemeClr val="accent6">
+                        <a:lumMod val="75000"/>
+                      </a:schemeClr>
+                    </a:solidFill>
+                  </a:tcPr>
+                </a:tc>
+                <a:tc>
+                  <a:txBody>
+                    <a:bodyPr/>
+                    <a:lstStyle/>
+                    <a:p>
+                      <a:pPr latinLnBrk="1"/>
+                      <a:endParaRPr lang="ko-KR" altLang="en-US" dirty="0"/>
+                    </a:p>
+                  </a:txBody>
+                  <a:tcPr>
+                    <a:solidFill>
+                      <a:schemeClr val="accent6">
+                        <a:lumMod val="75000"/>
+                      </a:schemeClr>
+                    </a:solidFill>
+                  </a:tcPr>
+                </a:tc>
+                <a:tc>
+                  <a:txBody>
+                    <a:bodyPr/>
+                    <a:lstStyle/>
+                    <a:p>
+                      <a:pPr latinLnBrk="1"/>
+                      <a:endParaRPr lang="ko-KR" altLang="en-US" dirty="0"/>
+                    </a:p>
+                  </a:txBody>
+                  <a:tcPr>
+                    <a:solidFill>
+                      <a:schemeClr val="accent6">
+                        <a:lumMod val="75000"/>
+                      </a:schemeClr>
+                    </a:solidFill>
+                  </a:tcPr>
+                </a:tc>
+                <a:tc>
+                  <a:txBody>
+                    <a:bodyPr/>
+                    <a:lstStyle/>
+                    <a:p>
+                      <a:pPr latinLnBrk="1"/>
+                      <a:endParaRPr lang="ko-KR" altLang="en-US" dirty="0"/>
+                    </a:p>
+                  </a:txBody>
+                  <a:tcPr>
+                    <a:solidFill>
+                      <a:schemeClr val="accent6">
+                        <a:lumMod val="75000"/>
+                      </a:schemeClr>
+                    </a:solidFill>
+                  </a:tcPr>
+                </a:tc>
+                <a:tc>
+                  <a:txBody>
+                    <a:bodyPr/>
+                    <a:lstStyle/>
+                    <a:p>
+                      <a:pPr latinLnBrk="1"/>
+                      <a:endParaRPr lang="ko-KR" altLang="en-US"/>
+                    </a:p>
+                  </a:txBody>
+                  <a:tcPr>
+                    <a:solidFill>
+                      <a:schemeClr val="accent6">
+                        <a:lumMod val="75000"/>
+                      </a:schemeClr>
+                    </a:solidFill>
+                  </a:tcPr>
+                </a:tc>
+                <a:tc>
+                  <a:txBody>
+                    <a:bodyPr/>
+                    <a:lstStyle/>
+                    <a:p>
+                      <a:pPr latinLnBrk="1"/>
+                      <a:endParaRPr lang="ko-KR" altLang="en-US" dirty="0"/>
+                    </a:p>
+                  </a:txBody>
+                  <a:tcPr>
+                    <a:solidFill>
+                      <a:schemeClr val="accent6">
+                        <a:lumMod val="75000"/>
+                      </a:schemeClr>
+                    </a:solidFill>
+                  </a:tcPr>
+                </a:tc>
+                <a:tc>
+                  <a:txBody>
+                    <a:bodyPr/>
+                    <a:lstStyle/>
+                    <a:p>
+                      <a:pPr latinLnBrk="1"/>
+                      <a:endParaRPr lang="ko-KR" altLang="en-US" dirty="0"/>
+                    </a:p>
+                  </a:txBody>
+                  <a:tcPr>
+                    <a:solidFill>
+                      <a:schemeClr val="accent6">
+                        <a:lumMod val="75000"/>
+                      </a:schemeClr>
+                    </a:solidFill>
+                  </a:tcPr>
+                </a:tc>
+                <a:tc>
+                  <a:txBody>
+                    <a:bodyPr/>
+                    <a:lstStyle/>
+                    <a:p>
+                      <a:pPr latinLnBrk="1"/>
+                      <a:endParaRPr lang="ko-KR" altLang="en-US" dirty="0"/>
+                    </a:p>
+                  </a:txBody>
+                  <a:tcPr>
+                    <a:solidFill>
+                      <a:schemeClr val="accent6">
+                        <a:lumMod val="75000"/>
+                      </a:schemeClr>
+                    </a:solidFill>
+                  </a:tcPr>
+                </a:tc>
+                <a:extLst>
+                  <a:ext uri="{0D108BD9-81ED-4DB2-BD59-A6C34878D82A}">
+                    <a16:rowId xmlns:a16="http://schemas.microsoft.com/office/drawing/2014/main" val="1927007644"/>
+                  </a:ext>
+                </a:extLst>
+              </a:tr>
+              <a:tr h="548111">
+                <a:tc>
+                  <a:txBody>
+                    <a:bodyPr/>
+                    <a:lstStyle/>
+                    <a:p>
+                      <a:pPr latinLnBrk="1"/>
+                      <a:endParaRPr lang="ko-KR" altLang="en-US" dirty="0"/>
+                    </a:p>
+                  </a:txBody>
+                  <a:tcPr>
+                    <a:solidFill>
+                      <a:schemeClr val="accent6">
+                        <a:lumMod val="75000"/>
+                      </a:schemeClr>
+                    </a:solidFill>
+                  </a:tcPr>
+                </a:tc>
+                <a:tc>
+                  <a:txBody>
+                    <a:bodyPr/>
+                    <a:lstStyle/>
+                    <a:p>
+                      <a:pPr latinLnBrk="1"/>
+                      <a:endParaRPr lang="ko-KR" altLang="en-US" dirty="0"/>
+                    </a:p>
+                  </a:txBody>
+                  <a:tcPr>
+                    <a:solidFill>
+                      <a:schemeClr val="accent6">
+                        <a:lumMod val="75000"/>
+                      </a:schemeClr>
+                    </a:solidFill>
+                  </a:tcPr>
+                </a:tc>
+                <a:tc>
+                  <a:txBody>
+                    <a:bodyPr/>
+                    <a:lstStyle/>
+                    <a:p>
+                      <a:pPr latinLnBrk="1"/>
+                      <a:endParaRPr lang="ko-KR" altLang="en-US"/>
+                    </a:p>
+                  </a:txBody>
+                  <a:tcPr>
+                    <a:solidFill>
+                      <a:schemeClr val="accent6">
+                        <a:lumMod val="75000"/>
+                      </a:schemeClr>
+                    </a:solidFill>
+                  </a:tcPr>
+                </a:tc>
+                <a:tc>
+                  <a:txBody>
+                    <a:bodyPr/>
+                    <a:lstStyle/>
+                    <a:p>
+                      <a:pPr latinLnBrk="1"/>
+                      <a:endParaRPr lang="ko-KR" altLang="en-US" dirty="0"/>
+                    </a:p>
+                  </a:txBody>
+                  <a:tcPr>
+                    <a:solidFill>
+                      <a:schemeClr val="accent6">
+                        <a:lumMod val="75000"/>
+                      </a:schemeClr>
+                    </a:solidFill>
+                  </a:tcPr>
+                </a:tc>
+                <a:tc>
+                  <a:txBody>
+                    <a:bodyPr/>
+                    <a:lstStyle/>
+                    <a:p>
+                      <a:pPr latinLnBrk="1"/>
+                      <a:endParaRPr lang="ko-KR" altLang="en-US" dirty="0"/>
+                    </a:p>
+                  </a:txBody>
+                  <a:tcPr>
+                    <a:solidFill>
+                      <a:schemeClr val="accent6">
+                        <a:lumMod val="75000"/>
+                      </a:schemeClr>
+                    </a:solidFill>
+                  </a:tcPr>
+                </a:tc>
+                <a:tc>
+                  <a:txBody>
+                    <a:bodyPr/>
+                    <a:lstStyle/>
+                    <a:p>
+                      <a:pPr latinLnBrk="1"/>
+                      <a:endParaRPr lang="ko-KR" altLang="en-US" dirty="0"/>
+                    </a:p>
+                  </a:txBody>
+                  <a:tcPr>
+                    <a:solidFill>
+                      <a:schemeClr val="accent6">
+                        <a:lumMod val="75000"/>
+                      </a:schemeClr>
+                    </a:solidFill>
+                  </a:tcPr>
+                </a:tc>
+                <a:tc>
+                  <a:txBody>
+                    <a:bodyPr/>
+                    <a:lstStyle/>
+                    <a:p>
+                      <a:pPr latinLnBrk="1"/>
+                      <a:endParaRPr lang="ko-KR" altLang="en-US" dirty="0"/>
+                    </a:p>
+                  </a:txBody>
+                  <a:tcPr>
+                    <a:solidFill>
+                      <a:schemeClr val="accent6">
+                        <a:lumMod val="75000"/>
+                      </a:schemeClr>
+                    </a:solidFill>
+                  </a:tcPr>
+                </a:tc>
+                <a:tc>
+                  <a:txBody>
+                    <a:bodyPr/>
+                    <a:lstStyle/>
+                    <a:p>
+                      <a:pPr latinLnBrk="1"/>
+                      <a:endParaRPr lang="ko-KR" altLang="en-US" dirty="0"/>
+                    </a:p>
+                  </a:txBody>
+                  <a:tcPr>
+                    <a:solidFill>
+                      <a:schemeClr val="accent6">
+                        <a:lumMod val="75000"/>
+                      </a:schemeClr>
+                    </a:solidFill>
+                  </a:tcPr>
+                </a:tc>
+                <a:tc>
+                  <a:txBody>
+                    <a:bodyPr/>
+                    <a:lstStyle/>
+                    <a:p>
+                      <a:pPr latinLnBrk="1"/>
+                      <a:endParaRPr lang="ko-KR" altLang="en-US" dirty="0"/>
+                    </a:p>
+                  </a:txBody>
+                  <a:tcPr>
+                    <a:solidFill>
+                      <a:schemeClr val="accent6">
+                        <a:lumMod val="75000"/>
+                      </a:schemeClr>
+                    </a:solidFill>
+                  </a:tcPr>
+                </a:tc>
+                <a:tc>
+                  <a:txBody>
+                    <a:bodyPr/>
+                    <a:lstStyle/>
+                    <a:p>
+                      <a:pPr latinLnBrk="1"/>
+                      <a:endParaRPr lang="ko-KR" altLang="en-US" dirty="0"/>
+                    </a:p>
+                  </a:txBody>
+                  <a:tcPr>
+                    <a:solidFill>
+                      <a:schemeClr val="accent6">
+                        <a:lumMod val="75000"/>
+                      </a:schemeClr>
+                    </a:solidFill>
+                  </a:tcPr>
+                </a:tc>
+                <a:extLst>
+                  <a:ext uri="{0D108BD9-81ED-4DB2-BD59-A6C34878D82A}">
+                    <a16:rowId xmlns:a16="http://schemas.microsoft.com/office/drawing/2014/main" val="3084996494"/>
+                  </a:ext>
+                </a:extLst>
+              </a:tr>
+              <a:tr h="548111">
+                <a:tc>
+                  <a:txBody>
+                    <a:bodyPr/>
+                    <a:lstStyle/>
+                    <a:p>
+                      <a:pPr latinLnBrk="1"/>
+                      <a:endParaRPr lang="ko-KR" altLang="en-US" dirty="0"/>
+                    </a:p>
+                  </a:txBody>
+                  <a:tcPr>
+                    <a:solidFill>
+                      <a:schemeClr val="accent3">
+                        <a:lumMod val="40000"/>
+                        <a:lumOff val="60000"/>
+                      </a:schemeClr>
+                    </a:solidFill>
+                  </a:tcPr>
+                </a:tc>
+                <a:tc>
+                  <a:txBody>
+                    <a:bodyPr/>
+                    <a:lstStyle/>
+                    <a:p>
+                      <a:pPr latinLnBrk="1"/>
+                      <a:endParaRPr lang="ko-KR" altLang="en-US" dirty="0"/>
+                    </a:p>
+                  </a:txBody>
+                  <a:tcPr>
+                    <a:solidFill>
+                      <a:schemeClr val="bg2"/>
+                    </a:solidFill>
+                  </a:tcPr>
+                </a:tc>
+                <a:tc>
+                  <a:txBody>
+                    <a:bodyPr/>
+                    <a:lstStyle/>
+                    <a:p>
+                      <a:pPr latinLnBrk="1"/>
+                      <a:endParaRPr lang="ko-KR" altLang="en-US" dirty="0"/>
+                    </a:p>
+                  </a:txBody>
+                  <a:tcPr>
+                    <a:solidFill>
+                      <a:schemeClr val="bg2"/>
+                    </a:solidFill>
+                  </a:tcPr>
+                </a:tc>
+                <a:tc>
+                  <a:txBody>
+                    <a:bodyPr/>
+                    <a:lstStyle/>
+                    <a:p>
+                      <a:pPr latinLnBrk="1"/>
+                      <a:endParaRPr lang="ko-KR" altLang="en-US" dirty="0"/>
+                    </a:p>
+                  </a:txBody>
+                  <a:tcPr>
+                    <a:solidFill>
+                      <a:schemeClr val="bg2"/>
+                    </a:solidFill>
+                  </a:tcPr>
+                </a:tc>
+                <a:tc>
+                  <a:txBody>
+                    <a:bodyPr/>
+                    <a:lstStyle/>
+                    <a:p>
+                      <a:pPr latinLnBrk="1"/>
+                      <a:endParaRPr lang="ko-KR" altLang="en-US" dirty="0"/>
+                    </a:p>
+                  </a:txBody>
+                  <a:tcPr>
+                    <a:solidFill>
+                      <a:schemeClr val="bg2"/>
+                    </a:solidFill>
+                  </a:tcPr>
+                </a:tc>
+                <a:tc>
+                  <a:txBody>
+                    <a:bodyPr/>
+                    <a:lstStyle/>
+                    <a:p>
+                      <a:pPr latinLnBrk="1"/>
+                      <a:endParaRPr lang="ko-KR" altLang="en-US" dirty="0"/>
+                    </a:p>
+                  </a:txBody>
+                  <a:tcPr>
+                    <a:solidFill>
+                      <a:schemeClr val="accent3">
+                        <a:lumMod val="40000"/>
+                        <a:lumOff val="60000"/>
+                      </a:schemeClr>
+                    </a:solidFill>
+                  </a:tcPr>
+                </a:tc>
+                <a:tc>
+                  <a:txBody>
+                    <a:bodyPr/>
+                    <a:lstStyle/>
+                    <a:p>
+                      <a:pPr latinLnBrk="1"/>
+                      <a:endParaRPr lang="ko-KR" altLang="en-US" dirty="0"/>
+                    </a:p>
+                  </a:txBody>
+                  <a:tcPr>
+                    <a:solidFill>
+                      <a:schemeClr val="accent6">
+                        <a:lumMod val="20000"/>
+                        <a:lumOff val="80000"/>
+                      </a:schemeClr>
+                    </a:solidFill>
+                  </a:tcPr>
+                </a:tc>
+                <a:tc>
+                  <a:txBody>
+                    <a:bodyPr/>
+                    <a:lstStyle/>
+                    <a:p>
+                      <a:pPr latinLnBrk="1"/>
+                      <a:endParaRPr lang="ko-KR" altLang="en-US" dirty="0"/>
+                    </a:p>
+                  </a:txBody>
+                  <a:tcPr>
+                    <a:solidFill>
+                      <a:schemeClr val="accent6">
+                        <a:lumMod val="20000"/>
+                        <a:lumOff val="80000"/>
+                      </a:schemeClr>
+                    </a:solidFill>
+                  </a:tcPr>
+                </a:tc>
+                <a:tc>
+                  <a:txBody>
+                    <a:bodyPr/>
+                    <a:lstStyle/>
+                    <a:p>
+                      <a:pPr latinLnBrk="1"/>
+                      <a:endParaRPr lang="ko-KR" altLang="en-US" dirty="0"/>
+                    </a:p>
+                  </a:txBody>
+                  <a:tcPr>
+                    <a:solidFill>
+                      <a:schemeClr val="accent6">
+                        <a:lumMod val="20000"/>
+                        <a:lumOff val="80000"/>
+                      </a:schemeClr>
+                    </a:solidFill>
+                  </a:tcPr>
+                </a:tc>
+                <a:tc>
+                  <a:txBody>
+                    <a:bodyPr/>
+                    <a:lstStyle/>
+                    <a:p>
+                      <a:pPr latinLnBrk="1"/>
+                      <a:endParaRPr lang="ko-KR" altLang="en-US" dirty="0"/>
+                    </a:p>
+                  </a:txBody>
+                  <a:tcPr>
+                    <a:solidFill>
+                      <a:schemeClr val="accent6">
+                        <a:lumMod val="20000"/>
+                        <a:lumOff val="80000"/>
+                      </a:schemeClr>
+                    </a:solidFill>
+                  </a:tcPr>
+                </a:tc>
+                <a:extLst>
+                  <a:ext uri="{0D108BD9-81ED-4DB2-BD59-A6C34878D82A}">
+                    <a16:rowId xmlns:a16="http://schemas.microsoft.com/office/drawing/2014/main" val="2290875037"/>
+                  </a:ext>
+                </a:extLst>
+              </a:tr>
+              <a:tr h="548111">
+                <a:tc>
+                  <a:txBody>
+                    <a:bodyPr/>
+                    <a:lstStyle/>
+                    <a:p>
+                      <a:pPr latinLnBrk="1"/>
+                      <a:endParaRPr lang="ko-KR" altLang="en-US" dirty="0"/>
+                    </a:p>
+                  </a:txBody>
+                  <a:tcPr>
+                    <a:solidFill>
+                      <a:schemeClr val="accent2">
+                        <a:lumMod val="75000"/>
+                      </a:schemeClr>
+                    </a:solidFill>
+                  </a:tcPr>
+                </a:tc>
+                <a:tc>
+                  <a:txBody>
+                    <a:bodyPr/>
+                    <a:lstStyle/>
+                    <a:p>
+                      <a:pPr latinLnBrk="1"/>
+                      <a:r>
+                        <a:rPr lang="en-US" altLang="ko-KR" dirty="0"/>
+                        <a:t>?</a:t>
+                      </a:r>
+                      <a:endParaRPr lang="ko-KR" altLang="en-US" dirty="0"/>
+                    </a:p>
+                  </a:txBody>
+                  <a:tcPr>
+                    <a:solidFill>
+                      <a:srgbClr val="FFC000"/>
+                    </a:solidFill>
+                  </a:tcPr>
+                </a:tc>
+                <a:tc>
+                  <a:txBody>
+                    <a:bodyPr/>
+                    <a:lstStyle/>
+                    <a:p>
+                      <a:pPr latinLnBrk="1"/>
+                      <a:r>
+                        <a:rPr lang="en-US" altLang="ko-KR" dirty="0"/>
+                        <a:t>?</a:t>
+                      </a:r>
+                      <a:endParaRPr lang="ko-KR" altLang="en-US" dirty="0"/>
+                    </a:p>
+                  </a:txBody>
+                  <a:tcPr>
+                    <a:solidFill>
+                      <a:srgbClr val="FFC000"/>
+                    </a:solidFill>
+                  </a:tcPr>
+                </a:tc>
+                <a:tc>
+                  <a:txBody>
+                    <a:bodyPr/>
+                    <a:lstStyle/>
+                    <a:p>
+                      <a:pPr latinLnBrk="1"/>
+                      <a:endParaRPr lang="ko-KR" altLang="en-US" dirty="0"/>
+                    </a:p>
+                  </a:txBody>
+                  <a:tcPr>
+                    <a:solidFill>
+                      <a:srgbClr val="FFC000"/>
+                    </a:solidFill>
+                  </a:tcPr>
+                </a:tc>
+                <a:tc>
+                  <a:txBody>
+                    <a:bodyPr/>
+                    <a:lstStyle/>
+                    <a:p>
+                      <a:pPr latinLnBrk="1"/>
+                      <a:endParaRPr lang="ko-KR" altLang="en-US" dirty="0"/>
+                    </a:p>
+                  </a:txBody>
+                  <a:tcPr>
+                    <a:solidFill>
+                      <a:srgbClr val="FFC000"/>
+                    </a:solidFill>
+                  </a:tcPr>
+                </a:tc>
+                <a:tc>
+                  <a:txBody>
+                    <a:bodyPr/>
+                    <a:lstStyle/>
+                    <a:p>
+                      <a:pPr latinLnBrk="1"/>
+                      <a:endParaRPr lang="ko-KR" altLang="en-US" dirty="0"/>
+                    </a:p>
+                  </a:txBody>
+                  <a:tcPr>
+                    <a:solidFill>
+                      <a:schemeClr val="accent2">
+                        <a:lumMod val="75000"/>
+                      </a:schemeClr>
+                    </a:solidFill>
+                  </a:tcPr>
+                </a:tc>
+                <a:tc>
+                  <a:txBody>
+                    <a:bodyPr/>
+                    <a:lstStyle/>
+                    <a:p>
+                      <a:pPr latinLnBrk="1"/>
+                      <a:endParaRPr lang="ko-KR" altLang="en-US" dirty="0"/>
+                    </a:p>
+                  </a:txBody>
+                  <a:tcPr>
+                    <a:solidFill>
+                      <a:srgbClr val="FFC000"/>
+                    </a:solidFill>
+                  </a:tcPr>
+                </a:tc>
+                <a:tc>
+                  <a:txBody>
+                    <a:bodyPr/>
+                    <a:lstStyle/>
+                    <a:p>
+                      <a:pPr latinLnBrk="1"/>
+                      <a:endParaRPr lang="ko-KR" altLang="en-US" dirty="0"/>
+                    </a:p>
+                  </a:txBody>
+                  <a:tcPr>
+                    <a:solidFill>
+                      <a:srgbClr val="FFC000"/>
+                    </a:solidFill>
+                  </a:tcPr>
+                </a:tc>
+                <a:tc>
+                  <a:txBody>
+                    <a:bodyPr/>
+                    <a:lstStyle/>
+                    <a:p>
+                      <a:pPr latinLnBrk="1"/>
+                      <a:endParaRPr lang="ko-KR" altLang="en-US" dirty="0"/>
+                    </a:p>
+                  </a:txBody>
+                  <a:tcPr>
+                    <a:solidFill>
+                      <a:srgbClr val="FFC000"/>
+                    </a:solidFill>
+                  </a:tcPr>
+                </a:tc>
+                <a:tc>
+                  <a:txBody>
+                    <a:bodyPr/>
+                    <a:lstStyle/>
+                    <a:p>
+                      <a:pPr latinLnBrk="1"/>
+                      <a:endParaRPr lang="ko-KR" altLang="en-US" dirty="0"/>
+                    </a:p>
+                  </a:txBody>
+                  <a:tcPr>
+                    <a:solidFill>
+                      <a:srgbClr val="FFC000"/>
+                    </a:solidFill>
+                  </a:tcPr>
+                </a:tc>
+                <a:extLst>
+                  <a:ext uri="{0D108BD9-81ED-4DB2-BD59-A6C34878D82A}">
+                    <a16:rowId xmlns:a16="http://schemas.microsoft.com/office/drawing/2014/main" val="2304940478"/>
+                  </a:ext>
+                </a:extLst>
+              </a:tr>
+            </a:tbl>
+          </a:graphicData>
+        </a:graphic>
+      </p:graphicFrame>
+      <p:sp>
+        <p:nvSpPr>
+          <p:cNvPr id="3" name="TextBox 2">
+            <a:extLst>
+              <a:ext uri="{FF2B5EF4-FFF2-40B4-BE49-F238E27FC236}">
+                <a16:creationId xmlns:a16="http://schemas.microsoft.com/office/drawing/2014/main" id="{DFDBDC21-225C-80D2-94CE-AEEF3DA25EC0}"/>
+              </a:ext>
+            </a:extLst>
+          </p:cNvPr>
+          <p:cNvSpPr txBox="1"/>
+          <p:nvPr/>
+        </p:nvSpPr>
+        <p:spPr>
+          <a:xfrm>
+            <a:off x="1626455" y="6488668"/>
+            <a:ext cx="1108380" cy="369332"/>
+          </a:xfrm>
+          <a:prstGeom prst="rect">
+            <a:avLst/>
+          </a:prstGeom>
+          <a:noFill/>
+        </p:spPr>
+        <p:txBody>
+          <a:bodyPr wrap="none" rtlCol="0">
+            <a:spAutoFit/>
+          </a:bodyPr>
+          <a:lstStyle/>
+          <a:p>
+            <a:r>
+              <a:rPr lang="en-US" altLang="ko-KR" dirty="0" err="1"/>
+              <a:t>PlayerHP</a:t>
+            </a:r>
+            <a:endParaRPr lang="ko-KR" altLang="en-US" dirty="0"/>
+          </a:p>
+        </p:txBody>
+      </p:sp>
+      <p:sp>
+        <p:nvSpPr>
+          <p:cNvPr id="5" name="TextBox 4">
+            <a:extLst>
+              <a:ext uri="{FF2B5EF4-FFF2-40B4-BE49-F238E27FC236}">
+                <a16:creationId xmlns:a16="http://schemas.microsoft.com/office/drawing/2014/main" id="{595F0774-A369-B5E1-1A30-A6191A0E18C7}"/>
+              </a:ext>
+            </a:extLst>
+          </p:cNvPr>
+          <p:cNvSpPr txBox="1"/>
+          <p:nvPr/>
+        </p:nvSpPr>
+        <p:spPr>
+          <a:xfrm>
+            <a:off x="403225" y="120091"/>
+            <a:ext cx="10434267" cy="646331"/>
+          </a:xfrm>
+          <a:prstGeom prst="rect">
+            <a:avLst/>
+          </a:prstGeom>
+          <a:noFill/>
+        </p:spPr>
+        <p:txBody>
+          <a:bodyPr wrap="none" rtlCol="0">
+            <a:spAutoFit/>
+          </a:bodyPr>
+          <a:lstStyle/>
+          <a:p>
+            <a:r>
+              <a:rPr lang="en-US" altLang="ko-KR" dirty="0"/>
+              <a:t>=&gt; </a:t>
+            </a:r>
+            <a:r>
+              <a:rPr lang="ko-KR" altLang="en-US" dirty="0"/>
+              <a:t>플레이어를 만들고 싶다</a:t>
+            </a:r>
+            <a:r>
+              <a:rPr lang="en-US" altLang="ko-KR" dirty="0"/>
+              <a:t>. =&gt; </a:t>
+            </a:r>
+            <a:r>
+              <a:rPr lang="ko-KR" altLang="en-US" dirty="0"/>
+              <a:t>공격력과 체력이 있어야 한다고 생각해서 </a:t>
+            </a:r>
+            <a:r>
+              <a:rPr lang="en-US" altLang="ko-KR" dirty="0"/>
+              <a:t>2</a:t>
+            </a:r>
+            <a:r>
+              <a:rPr lang="ko-KR" altLang="en-US" dirty="0"/>
+              <a:t>가지 정수를 선언했다</a:t>
+            </a:r>
+            <a:r>
+              <a:rPr lang="en-US" altLang="ko-KR" dirty="0"/>
+              <a:t>. </a:t>
+            </a:r>
+          </a:p>
+          <a:p>
+            <a:r>
+              <a:rPr lang="ko-KR" altLang="en-US" dirty="0"/>
+              <a:t>메모리를</a:t>
+            </a:r>
+            <a:r>
+              <a:rPr lang="en-US" altLang="ko-KR" dirty="0"/>
+              <a:t> </a:t>
+            </a:r>
+            <a:r>
+              <a:rPr lang="ko-KR" altLang="en-US" dirty="0"/>
+              <a:t>유지시키려면 </a:t>
+            </a:r>
+            <a:r>
+              <a:rPr lang="en-US" altLang="ko-KR" dirty="0"/>
+              <a:t>Main </a:t>
+            </a:r>
+            <a:r>
+              <a:rPr lang="ko-KR" altLang="en-US" dirty="0"/>
+              <a:t>스택에 두면 메모리가 파괴</a:t>
+            </a:r>
+            <a:endParaRPr lang="en-US" altLang="ko-KR" dirty="0"/>
+          </a:p>
+        </p:txBody>
+      </p:sp>
+    </p:spTree>
+    <p:extLst>
+      <p:ext uri="{BB962C8B-B14F-4D97-AF65-F5344CB8AC3E}">
+        <p14:creationId xmlns:p14="http://schemas.microsoft.com/office/powerpoint/2010/main" val="3191987447"/>
+      </p:ext>
+    </p:extLst>
+  </p:cSld>
+  <p:clrMapOvr>
+    <a:masterClrMapping/>
+  </p:clrMapOvr>
+</p:sld>
+</file>
+
+<file path=ppt/slides/slide17.xml><?xml version="1.0" encoding="utf-8"?>
+<p:sld xmlns:a="http://schemas.openxmlformats.org/drawingml/2006/main" xmlns:r="http://schemas.openxmlformats.org/officeDocument/2006/relationships" xmlns:p="http://schemas.openxmlformats.org/presentationml/2006/main">
+  <p:cSld>
+    <p:spTree>
+      <p:nvGrpSpPr>
+        <p:cNvPr id="1" name=""/>
+        <p:cNvGrpSpPr/>
+        <p:nvPr/>
+      </p:nvGrpSpPr>
+      <p:grpSpPr>
+        <a:xfrm>
+          <a:off x="0" y="0"/>
+          <a:ext cx="0" cy="0"/>
+          <a:chOff x="0" y="0"/>
+          <a:chExt cx="0" cy="0"/>
+        </a:xfrm>
+      </p:grpSpPr>
+      <p:pic>
+        <p:nvPicPr>
+          <p:cNvPr id="3" name="그림 2">
+            <a:extLst>
+              <a:ext uri="{FF2B5EF4-FFF2-40B4-BE49-F238E27FC236}">
+                <a16:creationId xmlns:a16="http://schemas.microsoft.com/office/drawing/2014/main" id="{384E5ED5-B8B8-205A-5E2D-A3CF8485E75D}"/>
+              </a:ext>
+            </a:extLst>
+          </p:cNvPr>
+          <p:cNvPicPr>
+            <a:picLocks noChangeAspect="1"/>
+          </p:cNvPicPr>
+          <p:nvPr/>
+        </p:nvPicPr>
+        <p:blipFill>
+          <a:blip r:embed="rId2"/>
+          <a:stretch>
+            <a:fillRect/>
+          </a:stretch>
+        </p:blipFill>
+        <p:spPr>
+          <a:xfrm>
+            <a:off x="6806859" y="1247509"/>
+            <a:ext cx="4877481" cy="3810532"/>
+          </a:xfrm>
+          <a:prstGeom prst="rect">
+            <a:avLst/>
+          </a:prstGeom>
+        </p:spPr>
+      </p:pic>
+      <p:graphicFrame>
+        <p:nvGraphicFramePr>
+          <p:cNvPr id="6" name="표 5">
+            <a:extLst>
+              <a:ext uri="{FF2B5EF4-FFF2-40B4-BE49-F238E27FC236}">
+                <a16:creationId xmlns:a16="http://schemas.microsoft.com/office/drawing/2014/main" id="{9A157B18-23E2-EB24-5973-959F9A7B44D3}"/>
+              </a:ext>
+            </a:extLst>
+          </p:cNvPr>
+          <p:cNvGraphicFramePr>
+            <a:graphicFrameLocks noGrp="1"/>
+          </p:cNvGraphicFramePr>
+          <p:nvPr>
+            <p:extLst>
+              <p:ext uri="{D42A27DB-BD31-4B8C-83A1-F6EECF244321}">
+                <p14:modId xmlns:p14="http://schemas.microsoft.com/office/powerpoint/2010/main" val="3810516777"/>
+              </p:ext>
+            </p:extLst>
+          </p:nvPr>
+        </p:nvGraphicFramePr>
+        <p:xfrm>
+          <a:off x="107950" y="688445"/>
+          <a:ext cx="6064250" cy="5481110"/>
+        </p:xfrm>
+        <a:graphic>
+          <a:graphicData uri="http://schemas.openxmlformats.org/drawingml/2006/table">
+            <a:tbl>
+              <a:tblPr firstRow="1" bandRow="1">
+                <a:tableStyleId>{5940675A-B579-460E-94D1-54222C63F5DA}</a:tableStyleId>
+              </a:tblPr>
+              <a:tblGrid>
+                <a:gridCol w="606425">
+                  <a:extLst>
+                    <a:ext uri="{9D8B030D-6E8A-4147-A177-3AD203B41FA5}">
+                      <a16:colId xmlns:a16="http://schemas.microsoft.com/office/drawing/2014/main" val="1053436530"/>
+                    </a:ext>
+                  </a:extLst>
+                </a:gridCol>
+                <a:gridCol w="606425">
+                  <a:extLst>
+                    <a:ext uri="{9D8B030D-6E8A-4147-A177-3AD203B41FA5}">
+                      <a16:colId xmlns:a16="http://schemas.microsoft.com/office/drawing/2014/main" val="99972455"/>
+                    </a:ext>
+                  </a:extLst>
+                </a:gridCol>
+                <a:gridCol w="606425">
+                  <a:extLst>
+                    <a:ext uri="{9D8B030D-6E8A-4147-A177-3AD203B41FA5}">
+                      <a16:colId xmlns:a16="http://schemas.microsoft.com/office/drawing/2014/main" val="303274219"/>
+                    </a:ext>
+                  </a:extLst>
+                </a:gridCol>
+                <a:gridCol w="606425">
+                  <a:extLst>
+                    <a:ext uri="{9D8B030D-6E8A-4147-A177-3AD203B41FA5}">
+                      <a16:colId xmlns:a16="http://schemas.microsoft.com/office/drawing/2014/main" val="776841017"/>
+                    </a:ext>
+                  </a:extLst>
+                </a:gridCol>
+                <a:gridCol w="606425">
+                  <a:extLst>
+                    <a:ext uri="{9D8B030D-6E8A-4147-A177-3AD203B41FA5}">
+                      <a16:colId xmlns:a16="http://schemas.microsoft.com/office/drawing/2014/main" val="564924032"/>
+                    </a:ext>
+                  </a:extLst>
+                </a:gridCol>
+                <a:gridCol w="606425">
+                  <a:extLst>
+                    <a:ext uri="{9D8B030D-6E8A-4147-A177-3AD203B41FA5}">
+                      <a16:colId xmlns:a16="http://schemas.microsoft.com/office/drawing/2014/main" val="2054278420"/>
+                    </a:ext>
+                  </a:extLst>
+                </a:gridCol>
+                <a:gridCol w="606425">
+                  <a:extLst>
+                    <a:ext uri="{9D8B030D-6E8A-4147-A177-3AD203B41FA5}">
+                      <a16:colId xmlns:a16="http://schemas.microsoft.com/office/drawing/2014/main" val="3666179798"/>
+                    </a:ext>
+                  </a:extLst>
+                </a:gridCol>
+                <a:gridCol w="606425">
+                  <a:extLst>
+                    <a:ext uri="{9D8B030D-6E8A-4147-A177-3AD203B41FA5}">
+                      <a16:colId xmlns:a16="http://schemas.microsoft.com/office/drawing/2014/main" val="894375746"/>
+                    </a:ext>
+                  </a:extLst>
+                </a:gridCol>
+                <a:gridCol w="606425">
+                  <a:extLst>
+                    <a:ext uri="{9D8B030D-6E8A-4147-A177-3AD203B41FA5}">
+                      <a16:colId xmlns:a16="http://schemas.microsoft.com/office/drawing/2014/main" val="1765680280"/>
+                    </a:ext>
+                  </a:extLst>
+                </a:gridCol>
+                <a:gridCol w="606425">
+                  <a:extLst>
+                    <a:ext uri="{9D8B030D-6E8A-4147-A177-3AD203B41FA5}">
+                      <a16:colId xmlns:a16="http://schemas.microsoft.com/office/drawing/2014/main" val="1459270116"/>
+                    </a:ext>
+                  </a:extLst>
+                </a:gridCol>
+              </a:tblGrid>
+              <a:tr h="548111">
+                <a:tc>
+                  <a:txBody>
+                    <a:bodyPr/>
+                    <a:lstStyle/>
+                    <a:p>
+                      <a:pPr latinLnBrk="1"/>
+                      <a:endParaRPr lang="ko-KR" altLang="en-US" dirty="0"/>
+                    </a:p>
+                  </a:txBody>
+                  <a:tcPr>
+                    <a:solidFill>
+                      <a:schemeClr val="accent1"/>
+                    </a:solidFill>
+                  </a:tcPr>
+                </a:tc>
+                <a:tc>
+                  <a:txBody>
+                    <a:bodyPr/>
+                    <a:lstStyle/>
+                    <a:p>
+                      <a:pPr latinLnBrk="1"/>
+                      <a:endParaRPr lang="ko-KR" altLang="en-US" dirty="0"/>
+                    </a:p>
+                  </a:txBody>
+                  <a:tcPr>
+                    <a:solidFill>
+                      <a:schemeClr val="accent1"/>
+                    </a:solidFill>
+                  </a:tcPr>
+                </a:tc>
+                <a:tc>
+                  <a:txBody>
+                    <a:bodyPr/>
+                    <a:lstStyle/>
+                    <a:p>
+                      <a:pPr latinLnBrk="1"/>
+                      <a:endParaRPr lang="ko-KR" altLang="en-US" dirty="0"/>
+                    </a:p>
+                  </a:txBody>
+                  <a:tcPr>
+                    <a:solidFill>
+                      <a:schemeClr val="accent1"/>
+                    </a:solidFill>
+                  </a:tcPr>
+                </a:tc>
+                <a:tc>
+                  <a:txBody>
+                    <a:bodyPr/>
+                    <a:lstStyle/>
+                    <a:p>
+                      <a:pPr latinLnBrk="1"/>
+                      <a:endParaRPr lang="ko-KR" altLang="en-US"/>
+                    </a:p>
+                  </a:txBody>
+                  <a:tcPr>
+                    <a:solidFill>
+                      <a:schemeClr val="accent1"/>
+                    </a:solidFill>
+                  </a:tcPr>
+                </a:tc>
+                <a:tc>
+                  <a:txBody>
+                    <a:bodyPr/>
+                    <a:lstStyle/>
+                    <a:p>
+                      <a:pPr latinLnBrk="1"/>
+                      <a:endParaRPr lang="ko-KR" altLang="en-US" dirty="0"/>
+                    </a:p>
+                  </a:txBody>
+                  <a:tcPr>
+                    <a:solidFill>
+                      <a:schemeClr val="accent1"/>
+                    </a:solidFill>
+                  </a:tcPr>
+                </a:tc>
+                <a:tc>
+                  <a:txBody>
+                    <a:bodyPr/>
+                    <a:lstStyle/>
+                    <a:p>
+                      <a:pPr latinLnBrk="1"/>
+                      <a:endParaRPr lang="ko-KR" altLang="en-US" dirty="0"/>
+                    </a:p>
+                  </a:txBody>
+                  <a:tcPr>
+                    <a:solidFill>
+                      <a:schemeClr val="accent1"/>
+                    </a:solidFill>
+                  </a:tcPr>
+                </a:tc>
+                <a:tc>
+                  <a:txBody>
+                    <a:bodyPr/>
+                    <a:lstStyle/>
+                    <a:p>
+                      <a:pPr latinLnBrk="1"/>
+                      <a:endParaRPr lang="ko-KR" altLang="en-US" dirty="0"/>
+                    </a:p>
+                  </a:txBody>
+                  <a:tcPr>
+                    <a:solidFill>
+                      <a:schemeClr val="accent1"/>
+                    </a:solidFill>
+                  </a:tcPr>
+                </a:tc>
+                <a:tc>
+                  <a:txBody>
+                    <a:bodyPr/>
+                    <a:lstStyle/>
+                    <a:p>
+                      <a:pPr latinLnBrk="1"/>
+                      <a:endParaRPr lang="ko-KR" altLang="en-US"/>
+                    </a:p>
+                  </a:txBody>
+                  <a:tcPr>
+                    <a:solidFill>
+                      <a:schemeClr val="accent1"/>
+                    </a:solidFill>
+                  </a:tcPr>
+                </a:tc>
+                <a:tc>
+                  <a:txBody>
+                    <a:bodyPr/>
+                    <a:lstStyle/>
+                    <a:p>
+                      <a:pPr latinLnBrk="1"/>
+                      <a:endParaRPr lang="ko-KR" altLang="en-US" dirty="0"/>
+                    </a:p>
+                  </a:txBody>
+                  <a:tcPr>
+                    <a:solidFill>
+                      <a:schemeClr val="accent1"/>
+                    </a:solidFill>
+                  </a:tcPr>
+                </a:tc>
+                <a:tc>
+                  <a:txBody>
+                    <a:bodyPr/>
+                    <a:lstStyle/>
+                    <a:p>
+                      <a:pPr latinLnBrk="1"/>
+                      <a:endParaRPr lang="ko-KR" altLang="en-US" dirty="0"/>
+                    </a:p>
+                  </a:txBody>
+                  <a:tcPr>
+                    <a:solidFill>
+                      <a:schemeClr val="accent1"/>
+                    </a:solidFill>
+                  </a:tcPr>
+                </a:tc>
+                <a:extLst>
+                  <a:ext uri="{0D108BD9-81ED-4DB2-BD59-A6C34878D82A}">
+                    <a16:rowId xmlns:a16="http://schemas.microsoft.com/office/drawing/2014/main" val="1935825003"/>
+                  </a:ext>
+                </a:extLst>
+              </a:tr>
+              <a:tr h="548111">
+                <a:tc>
+                  <a:txBody>
+                    <a:bodyPr/>
+                    <a:lstStyle/>
+                    <a:p>
+                      <a:pPr latinLnBrk="1"/>
+                      <a:endParaRPr lang="ko-KR" altLang="en-US" dirty="0"/>
+                    </a:p>
+                  </a:txBody>
+                  <a:tcPr>
+                    <a:solidFill>
+                      <a:schemeClr val="accent1"/>
+                    </a:solidFill>
+                  </a:tcPr>
+                </a:tc>
+                <a:tc>
+                  <a:txBody>
+                    <a:bodyPr/>
+                    <a:lstStyle/>
+                    <a:p>
+                      <a:pPr latinLnBrk="1"/>
+                      <a:endParaRPr lang="ko-KR" altLang="en-US" dirty="0"/>
+                    </a:p>
+                  </a:txBody>
+                  <a:tcPr>
+                    <a:solidFill>
+                      <a:schemeClr val="accent1"/>
+                    </a:solidFill>
+                  </a:tcPr>
+                </a:tc>
+                <a:tc>
+                  <a:txBody>
+                    <a:bodyPr/>
+                    <a:lstStyle/>
+                    <a:p>
+                      <a:pPr latinLnBrk="1"/>
+                      <a:endParaRPr lang="ko-KR" altLang="en-US" dirty="0"/>
+                    </a:p>
+                  </a:txBody>
+                  <a:tcPr>
+                    <a:solidFill>
+                      <a:schemeClr val="accent1"/>
+                    </a:solidFill>
+                  </a:tcPr>
+                </a:tc>
+                <a:tc>
+                  <a:txBody>
+                    <a:bodyPr/>
+                    <a:lstStyle/>
+                    <a:p>
+                      <a:pPr latinLnBrk="1"/>
+                      <a:endParaRPr lang="ko-KR" altLang="en-US" dirty="0"/>
+                    </a:p>
+                  </a:txBody>
+                  <a:tcPr>
+                    <a:solidFill>
+                      <a:schemeClr val="accent1"/>
+                    </a:solidFill>
+                  </a:tcPr>
+                </a:tc>
+                <a:tc>
+                  <a:txBody>
+                    <a:bodyPr/>
+                    <a:lstStyle/>
+                    <a:p>
+                      <a:pPr latinLnBrk="1"/>
+                      <a:endParaRPr lang="ko-KR" altLang="en-US" dirty="0"/>
+                    </a:p>
+                  </a:txBody>
+                  <a:tcPr>
+                    <a:solidFill>
+                      <a:schemeClr val="accent1"/>
+                    </a:solidFill>
+                  </a:tcPr>
+                </a:tc>
+                <a:tc>
+                  <a:txBody>
+                    <a:bodyPr/>
+                    <a:lstStyle/>
+                    <a:p>
+                      <a:pPr latinLnBrk="1"/>
+                      <a:endParaRPr lang="ko-KR" altLang="en-US" dirty="0"/>
+                    </a:p>
+                  </a:txBody>
+                  <a:tcPr>
+                    <a:solidFill>
+                      <a:schemeClr val="accent1"/>
+                    </a:solidFill>
+                  </a:tcPr>
+                </a:tc>
+                <a:tc>
+                  <a:txBody>
+                    <a:bodyPr/>
+                    <a:lstStyle/>
+                    <a:p>
+                      <a:pPr latinLnBrk="1"/>
+                      <a:endParaRPr lang="ko-KR" altLang="en-US" dirty="0"/>
+                    </a:p>
+                  </a:txBody>
+                  <a:tcPr>
+                    <a:solidFill>
+                      <a:schemeClr val="accent1"/>
+                    </a:solidFill>
+                  </a:tcPr>
+                </a:tc>
+                <a:tc>
+                  <a:txBody>
+                    <a:bodyPr/>
+                    <a:lstStyle/>
+                    <a:p>
+                      <a:pPr latinLnBrk="1"/>
+                      <a:endParaRPr lang="ko-KR" altLang="en-US" dirty="0"/>
+                    </a:p>
+                  </a:txBody>
+                  <a:tcPr>
+                    <a:solidFill>
+                      <a:schemeClr val="accent1"/>
+                    </a:solidFill>
+                  </a:tcPr>
+                </a:tc>
+                <a:tc>
+                  <a:txBody>
+                    <a:bodyPr/>
+                    <a:lstStyle/>
+                    <a:p>
+                      <a:pPr latinLnBrk="1"/>
+                      <a:endParaRPr lang="ko-KR" altLang="en-US" dirty="0"/>
+                    </a:p>
+                  </a:txBody>
+                  <a:tcPr>
+                    <a:solidFill>
+                      <a:schemeClr val="accent1"/>
+                    </a:solidFill>
+                  </a:tcPr>
+                </a:tc>
+                <a:tc>
+                  <a:txBody>
+                    <a:bodyPr/>
+                    <a:lstStyle/>
+                    <a:p>
+                      <a:pPr latinLnBrk="1"/>
+                      <a:endParaRPr lang="ko-KR" altLang="en-US" dirty="0"/>
+                    </a:p>
+                  </a:txBody>
+                  <a:tcPr>
+                    <a:solidFill>
+                      <a:schemeClr val="accent1"/>
+                    </a:solidFill>
+                  </a:tcPr>
+                </a:tc>
+                <a:extLst>
+                  <a:ext uri="{0D108BD9-81ED-4DB2-BD59-A6C34878D82A}">
+                    <a16:rowId xmlns:a16="http://schemas.microsoft.com/office/drawing/2014/main" val="1435290322"/>
+                  </a:ext>
+                </a:extLst>
+              </a:tr>
+              <a:tr h="548111">
+                <a:tc>
+                  <a:txBody>
+                    <a:bodyPr/>
+                    <a:lstStyle/>
+                    <a:p>
+                      <a:pPr latinLnBrk="1"/>
+                      <a:endParaRPr lang="ko-KR" altLang="en-US" dirty="0"/>
+                    </a:p>
+                  </a:txBody>
+                  <a:tcPr>
+                    <a:solidFill>
+                      <a:schemeClr val="bg2">
+                        <a:lumMod val="50000"/>
+                      </a:schemeClr>
+                    </a:solidFill>
+                  </a:tcPr>
+                </a:tc>
+                <a:tc>
+                  <a:txBody>
+                    <a:bodyPr/>
+                    <a:lstStyle/>
+                    <a:p>
+                      <a:pPr latinLnBrk="1"/>
+                      <a:endParaRPr lang="ko-KR" altLang="en-US" dirty="0"/>
+                    </a:p>
+                  </a:txBody>
+                  <a:tcPr>
+                    <a:solidFill>
+                      <a:schemeClr val="bg2">
+                        <a:lumMod val="50000"/>
+                      </a:schemeClr>
+                    </a:solidFill>
+                  </a:tcPr>
+                </a:tc>
+                <a:tc>
+                  <a:txBody>
+                    <a:bodyPr/>
+                    <a:lstStyle/>
+                    <a:p>
+                      <a:pPr latinLnBrk="1"/>
+                      <a:endParaRPr lang="ko-KR" altLang="en-US" dirty="0"/>
+                    </a:p>
+                  </a:txBody>
+                  <a:tcPr>
+                    <a:solidFill>
+                      <a:schemeClr val="bg2">
+                        <a:lumMod val="50000"/>
+                      </a:schemeClr>
+                    </a:solidFill>
+                  </a:tcPr>
+                </a:tc>
+                <a:tc>
+                  <a:txBody>
+                    <a:bodyPr/>
+                    <a:lstStyle/>
+                    <a:p>
+                      <a:pPr latinLnBrk="1"/>
+                      <a:r>
+                        <a:rPr lang="en-US" altLang="ko-KR"/>
+                        <a:t>0</a:t>
+                      </a:r>
+                      <a:endParaRPr lang="ko-KR" altLang="en-US" dirty="0"/>
+                    </a:p>
+                  </a:txBody>
+                  <a:tcPr>
+                    <a:solidFill>
+                      <a:schemeClr val="bg2">
+                        <a:lumMod val="50000"/>
+                      </a:schemeClr>
+                    </a:solidFill>
+                  </a:tcPr>
+                </a:tc>
+                <a:tc>
+                  <a:txBody>
+                    <a:bodyPr/>
+                    <a:lstStyle/>
+                    <a:p>
+                      <a:pPr latinLnBrk="1"/>
+                      <a:endParaRPr lang="ko-KR" altLang="en-US" dirty="0"/>
+                    </a:p>
+                  </a:txBody>
+                  <a:tcPr>
+                    <a:solidFill>
+                      <a:schemeClr val="accent1"/>
+                    </a:solidFill>
+                  </a:tcPr>
+                </a:tc>
+                <a:tc>
+                  <a:txBody>
+                    <a:bodyPr/>
+                    <a:lstStyle/>
+                    <a:p>
+                      <a:pPr latinLnBrk="1"/>
+                      <a:endParaRPr lang="ko-KR" altLang="en-US" dirty="0"/>
+                    </a:p>
+                  </a:txBody>
+                  <a:tcPr>
+                    <a:solidFill>
+                      <a:schemeClr val="accent1"/>
+                    </a:solidFill>
+                  </a:tcPr>
+                </a:tc>
+                <a:tc>
+                  <a:txBody>
+                    <a:bodyPr/>
+                    <a:lstStyle/>
+                    <a:p>
+                      <a:pPr latinLnBrk="1"/>
+                      <a:endParaRPr lang="ko-KR" altLang="en-US" dirty="0"/>
+                    </a:p>
+                  </a:txBody>
+                  <a:tcPr>
+                    <a:solidFill>
+                      <a:schemeClr val="accent1"/>
+                    </a:solidFill>
+                  </a:tcPr>
+                </a:tc>
+                <a:tc>
+                  <a:txBody>
+                    <a:bodyPr/>
+                    <a:lstStyle/>
+                    <a:p>
+                      <a:pPr latinLnBrk="1"/>
+                      <a:endParaRPr lang="ko-KR" altLang="en-US" dirty="0"/>
+                    </a:p>
+                  </a:txBody>
+                  <a:tcPr>
+                    <a:solidFill>
+                      <a:schemeClr val="accent1"/>
+                    </a:solidFill>
+                  </a:tcPr>
+                </a:tc>
+                <a:tc>
+                  <a:txBody>
+                    <a:bodyPr/>
+                    <a:lstStyle/>
+                    <a:p>
+                      <a:pPr latinLnBrk="1"/>
+                      <a:endParaRPr lang="ko-KR" altLang="en-US" dirty="0"/>
+                    </a:p>
+                  </a:txBody>
+                  <a:tcPr>
+                    <a:solidFill>
+                      <a:schemeClr val="accent1"/>
+                    </a:solidFill>
+                  </a:tcPr>
+                </a:tc>
+                <a:tc>
+                  <a:txBody>
+                    <a:bodyPr/>
+                    <a:lstStyle/>
+                    <a:p>
+                      <a:pPr latinLnBrk="1"/>
+                      <a:endParaRPr lang="ko-KR" altLang="en-US" dirty="0"/>
+                    </a:p>
+                  </a:txBody>
+                  <a:tcPr>
+                    <a:solidFill>
+                      <a:schemeClr val="accent1"/>
+                    </a:solidFill>
+                  </a:tcPr>
+                </a:tc>
+                <a:extLst>
+                  <a:ext uri="{0D108BD9-81ED-4DB2-BD59-A6C34878D82A}">
+                    <a16:rowId xmlns:a16="http://schemas.microsoft.com/office/drawing/2014/main" val="2983205141"/>
+                  </a:ext>
+                </a:extLst>
+              </a:tr>
+              <a:tr h="548111">
+                <a:tc>
+                  <a:txBody>
+                    <a:bodyPr/>
+                    <a:lstStyle/>
+                    <a:p>
+                      <a:pPr latinLnBrk="1"/>
+                      <a:endParaRPr lang="ko-KR" altLang="en-US" dirty="0"/>
+                    </a:p>
+                  </a:txBody>
+                  <a:tcPr>
+                    <a:solidFill>
+                      <a:schemeClr val="accent2">
+                        <a:lumMod val="60000"/>
+                        <a:lumOff val="40000"/>
+                      </a:schemeClr>
+                    </a:solidFill>
+                  </a:tcPr>
+                </a:tc>
+                <a:tc>
+                  <a:txBody>
+                    <a:bodyPr/>
+                    <a:lstStyle/>
+                    <a:p>
+                      <a:pPr latinLnBrk="1"/>
+                      <a:endParaRPr lang="ko-KR" altLang="en-US" dirty="0"/>
+                    </a:p>
+                  </a:txBody>
+                  <a:tcPr>
+                    <a:solidFill>
+                      <a:schemeClr val="accent2">
+                        <a:lumMod val="60000"/>
+                        <a:lumOff val="40000"/>
+                      </a:schemeClr>
+                    </a:solidFill>
+                  </a:tcPr>
+                </a:tc>
+                <a:tc>
+                  <a:txBody>
+                    <a:bodyPr/>
+                    <a:lstStyle/>
+                    <a:p>
+                      <a:pPr latinLnBrk="1"/>
+                      <a:endParaRPr lang="ko-KR" altLang="en-US" dirty="0"/>
+                    </a:p>
+                  </a:txBody>
+                  <a:tcPr>
+                    <a:solidFill>
+                      <a:schemeClr val="accent2">
+                        <a:lumMod val="60000"/>
+                        <a:lumOff val="40000"/>
+                      </a:schemeClr>
+                    </a:solidFill>
+                  </a:tcPr>
+                </a:tc>
+                <a:tc>
+                  <a:txBody>
+                    <a:bodyPr/>
+                    <a:lstStyle/>
+                    <a:p>
+                      <a:pPr latinLnBrk="1"/>
+                      <a:endParaRPr lang="ko-KR" altLang="en-US" dirty="0"/>
+                    </a:p>
+                  </a:txBody>
+                  <a:tcPr>
+                    <a:solidFill>
+                      <a:schemeClr val="accent2">
+                        <a:lumMod val="60000"/>
+                        <a:lumOff val="40000"/>
+                      </a:schemeClr>
+                    </a:solidFill>
+                  </a:tcPr>
+                </a:tc>
+                <a:tc>
+                  <a:txBody>
+                    <a:bodyPr/>
+                    <a:lstStyle/>
+                    <a:p>
+                      <a:pPr latinLnBrk="1"/>
+                      <a:endParaRPr lang="ko-KR" altLang="en-US" dirty="0"/>
+                    </a:p>
+                  </a:txBody>
+                  <a:tcPr>
+                    <a:solidFill>
+                      <a:schemeClr val="accent2">
+                        <a:lumMod val="60000"/>
+                        <a:lumOff val="40000"/>
+                      </a:schemeClr>
+                    </a:solidFill>
+                  </a:tcPr>
+                </a:tc>
+                <a:tc>
+                  <a:txBody>
+                    <a:bodyPr/>
+                    <a:lstStyle/>
+                    <a:p>
+                      <a:pPr latinLnBrk="1"/>
+                      <a:endParaRPr lang="ko-KR" altLang="en-US" dirty="0"/>
+                    </a:p>
+                  </a:txBody>
+                  <a:tcPr>
+                    <a:solidFill>
+                      <a:schemeClr val="accent2">
+                        <a:lumMod val="60000"/>
+                        <a:lumOff val="40000"/>
+                      </a:schemeClr>
+                    </a:solidFill>
+                  </a:tcPr>
+                </a:tc>
+                <a:tc>
+                  <a:txBody>
+                    <a:bodyPr/>
+                    <a:lstStyle/>
+                    <a:p>
+                      <a:pPr latinLnBrk="1"/>
+                      <a:endParaRPr lang="ko-KR" altLang="en-US" dirty="0"/>
+                    </a:p>
+                  </a:txBody>
+                  <a:tcPr>
+                    <a:solidFill>
+                      <a:schemeClr val="accent2">
+                        <a:lumMod val="60000"/>
+                        <a:lumOff val="40000"/>
+                      </a:schemeClr>
+                    </a:solidFill>
+                  </a:tcPr>
+                </a:tc>
+                <a:tc>
+                  <a:txBody>
+                    <a:bodyPr/>
+                    <a:lstStyle/>
+                    <a:p>
+                      <a:pPr latinLnBrk="1"/>
+                      <a:endParaRPr lang="ko-KR" altLang="en-US" dirty="0"/>
+                    </a:p>
+                  </a:txBody>
+                  <a:tcPr>
+                    <a:solidFill>
+                      <a:schemeClr val="accent2">
+                        <a:lumMod val="60000"/>
+                        <a:lumOff val="40000"/>
+                      </a:schemeClr>
+                    </a:solidFill>
+                  </a:tcPr>
+                </a:tc>
+                <a:tc>
+                  <a:txBody>
+                    <a:bodyPr/>
+                    <a:lstStyle/>
+                    <a:p>
+                      <a:pPr latinLnBrk="1"/>
+                      <a:endParaRPr lang="ko-KR" altLang="en-US" dirty="0"/>
+                    </a:p>
+                  </a:txBody>
+                  <a:tcPr>
+                    <a:solidFill>
+                      <a:schemeClr val="accent2">
+                        <a:lumMod val="60000"/>
+                        <a:lumOff val="40000"/>
+                      </a:schemeClr>
+                    </a:solidFill>
+                  </a:tcPr>
+                </a:tc>
+                <a:tc>
+                  <a:txBody>
+                    <a:bodyPr/>
+                    <a:lstStyle/>
+                    <a:p>
+                      <a:pPr latinLnBrk="1"/>
+                      <a:endParaRPr lang="ko-KR" altLang="en-US" dirty="0"/>
+                    </a:p>
+                  </a:txBody>
+                  <a:tcPr>
+                    <a:solidFill>
+                      <a:schemeClr val="accent2">
+                        <a:lumMod val="60000"/>
+                        <a:lumOff val="40000"/>
+                      </a:schemeClr>
+                    </a:solidFill>
+                  </a:tcPr>
+                </a:tc>
+                <a:extLst>
+                  <a:ext uri="{0D108BD9-81ED-4DB2-BD59-A6C34878D82A}">
+                    <a16:rowId xmlns:a16="http://schemas.microsoft.com/office/drawing/2014/main" val="98607314"/>
+                  </a:ext>
+                </a:extLst>
+              </a:tr>
+              <a:tr h="548111">
+                <a:tc>
+                  <a:txBody>
+                    <a:bodyPr/>
+                    <a:lstStyle/>
+                    <a:p>
+                      <a:pPr latinLnBrk="1"/>
+                      <a:endParaRPr lang="ko-KR" altLang="en-US" dirty="0"/>
+                    </a:p>
+                  </a:txBody>
+                  <a:tcPr>
+                    <a:solidFill>
+                      <a:schemeClr val="accent4">
+                        <a:lumMod val="75000"/>
+                      </a:schemeClr>
+                    </a:solidFill>
+                  </a:tcPr>
+                </a:tc>
+                <a:tc>
+                  <a:txBody>
+                    <a:bodyPr/>
+                    <a:lstStyle/>
+                    <a:p>
+                      <a:pPr latinLnBrk="1"/>
+                      <a:endParaRPr lang="ko-KR" altLang="en-US" dirty="0"/>
+                    </a:p>
+                  </a:txBody>
+                  <a:tcPr>
+                    <a:solidFill>
+                      <a:schemeClr val="accent4">
+                        <a:lumMod val="75000"/>
+                      </a:schemeClr>
+                    </a:solidFill>
+                  </a:tcPr>
+                </a:tc>
+                <a:tc>
+                  <a:txBody>
+                    <a:bodyPr/>
+                    <a:lstStyle/>
+                    <a:p>
+                      <a:pPr latinLnBrk="1"/>
+                      <a:endParaRPr lang="ko-KR" altLang="en-US" dirty="0"/>
+                    </a:p>
+                  </a:txBody>
+                  <a:tcPr>
+                    <a:solidFill>
+                      <a:schemeClr val="accent4">
+                        <a:lumMod val="75000"/>
+                      </a:schemeClr>
+                    </a:solidFill>
+                  </a:tcPr>
+                </a:tc>
+                <a:tc>
+                  <a:txBody>
+                    <a:bodyPr/>
+                    <a:lstStyle/>
+                    <a:p>
+                      <a:pPr latinLnBrk="1"/>
+                      <a:endParaRPr lang="ko-KR" altLang="en-US" dirty="0"/>
+                    </a:p>
+                  </a:txBody>
+                  <a:tcPr>
+                    <a:solidFill>
+                      <a:schemeClr val="accent4">
+                        <a:lumMod val="75000"/>
+                      </a:schemeClr>
+                    </a:solidFill>
+                  </a:tcPr>
+                </a:tc>
+                <a:tc>
+                  <a:txBody>
+                    <a:bodyPr/>
+                    <a:lstStyle/>
+                    <a:p>
+                      <a:pPr latinLnBrk="1"/>
+                      <a:endParaRPr lang="ko-KR" altLang="en-US"/>
+                    </a:p>
+                  </a:txBody>
+                  <a:tcPr>
+                    <a:solidFill>
+                      <a:schemeClr val="accent4">
+                        <a:lumMod val="75000"/>
+                      </a:schemeClr>
+                    </a:solidFill>
+                  </a:tcPr>
+                </a:tc>
+                <a:tc>
+                  <a:txBody>
+                    <a:bodyPr/>
+                    <a:lstStyle/>
+                    <a:p>
+                      <a:pPr latinLnBrk="1"/>
+                      <a:endParaRPr lang="ko-KR" altLang="en-US" dirty="0"/>
+                    </a:p>
+                  </a:txBody>
+                  <a:tcPr>
+                    <a:solidFill>
+                      <a:schemeClr val="accent4">
+                        <a:lumMod val="75000"/>
+                      </a:schemeClr>
+                    </a:solidFill>
+                  </a:tcPr>
+                </a:tc>
+                <a:tc>
+                  <a:txBody>
+                    <a:bodyPr/>
+                    <a:lstStyle/>
+                    <a:p>
+                      <a:pPr latinLnBrk="1"/>
+                      <a:endParaRPr lang="ko-KR" altLang="en-US" dirty="0"/>
+                    </a:p>
+                  </a:txBody>
+                  <a:tcPr>
+                    <a:solidFill>
+                      <a:schemeClr val="accent4">
+                        <a:lumMod val="75000"/>
+                      </a:schemeClr>
+                    </a:solidFill>
+                  </a:tcPr>
+                </a:tc>
+                <a:tc>
+                  <a:txBody>
+                    <a:bodyPr/>
+                    <a:lstStyle/>
+                    <a:p>
+                      <a:pPr latinLnBrk="1"/>
+                      <a:endParaRPr lang="ko-KR" altLang="en-US" dirty="0"/>
+                    </a:p>
+                  </a:txBody>
+                  <a:tcPr>
+                    <a:solidFill>
+                      <a:schemeClr val="accent4">
+                        <a:lumMod val="75000"/>
+                      </a:schemeClr>
+                    </a:solidFill>
+                  </a:tcPr>
+                </a:tc>
+                <a:tc>
+                  <a:txBody>
+                    <a:bodyPr/>
+                    <a:lstStyle/>
+                    <a:p>
+                      <a:pPr latinLnBrk="1"/>
+                      <a:endParaRPr lang="ko-KR" altLang="en-US" dirty="0"/>
+                    </a:p>
+                  </a:txBody>
+                  <a:tcPr>
+                    <a:solidFill>
+                      <a:schemeClr val="accent4">
+                        <a:lumMod val="75000"/>
+                      </a:schemeClr>
+                    </a:solidFill>
+                  </a:tcPr>
+                </a:tc>
+                <a:tc>
+                  <a:txBody>
+                    <a:bodyPr/>
+                    <a:lstStyle/>
+                    <a:p>
+                      <a:pPr latinLnBrk="1"/>
+                      <a:endParaRPr lang="ko-KR" altLang="en-US" dirty="0"/>
+                    </a:p>
+                  </a:txBody>
+                  <a:tcPr>
+                    <a:solidFill>
+                      <a:schemeClr val="accent4">
+                        <a:lumMod val="75000"/>
+                      </a:schemeClr>
+                    </a:solidFill>
+                  </a:tcPr>
+                </a:tc>
+                <a:extLst>
+                  <a:ext uri="{0D108BD9-81ED-4DB2-BD59-A6C34878D82A}">
+                    <a16:rowId xmlns:a16="http://schemas.microsoft.com/office/drawing/2014/main" val="3577097172"/>
+                  </a:ext>
+                </a:extLst>
+              </a:tr>
+              <a:tr h="548111">
+                <a:tc>
+                  <a:txBody>
+                    <a:bodyPr/>
+                    <a:lstStyle/>
+                    <a:p>
+                      <a:pPr latinLnBrk="1"/>
+                      <a:endParaRPr lang="ko-KR" altLang="en-US" dirty="0"/>
+                    </a:p>
+                  </a:txBody>
+                  <a:tcPr>
+                    <a:solidFill>
+                      <a:schemeClr val="accent6">
+                        <a:lumMod val="75000"/>
+                      </a:schemeClr>
+                    </a:solidFill>
+                  </a:tcPr>
+                </a:tc>
+                <a:tc>
+                  <a:txBody>
+                    <a:bodyPr/>
+                    <a:lstStyle/>
+                    <a:p>
+                      <a:pPr latinLnBrk="1"/>
+                      <a:endParaRPr lang="ko-KR" altLang="en-US" dirty="0"/>
+                    </a:p>
+                  </a:txBody>
+                  <a:tcPr>
+                    <a:solidFill>
+                      <a:schemeClr val="accent6">
+                        <a:lumMod val="75000"/>
+                      </a:schemeClr>
+                    </a:solidFill>
+                  </a:tcPr>
+                </a:tc>
+                <a:tc>
+                  <a:txBody>
+                    <a:bodyPr/>
+                    <a:lstStyle/>
+                    <a:p>
+                      <a:pPr latinLnBrk="1"/>
+                      <a:endParaRPr lang="ko-KR" altLang="en-US" dirty="0"/>
+                    </a:p>
+                  </a:txBody>
+                  <a:tcPr>
+                    <a:solidFill>
+                      <a:schemeClr val="accent6">
+                        <a:lumMod val="75000"/>
+                      </a:schemeClr>
+                    </a:solidFill>
+                  </a:tcPr>
+                </a:tc>
+                <a:tc>
+                  <a:txBody>
+                    <a:bodyPr/>
+                    <a:lstStyle/>
+                    <a:p>
+                      <a:pPr latinLnBrk="1"/>
+                      <a:endParaRPr lang="ko-KR" altLang="en-US"/>
+                    </a:p>
+                  </a:txBody>
+                  <a:tcPr>
+                    <a:solidFill>
+                      <a:schemeClr val="accent6">
+                        <a:lumMod val="75000"/>
+                      </a:schemeClr>
+                    </a:solidFill>
+                  </a:tcPr>
+                </a:tc>
+                <a:tc>
+                  <a:txBody>
+                    <a:bodyPr/>
+                    <a:lstStyle/>
+                    <a:p>
+                      <a:pPr latinLnBrk="1"/>
+                      <a:endParaRPr lang="ko-KR" altLang="en-US"/>
+                    </a:p>
+                  </a:txBody>
+                  <a:tcPr>
+                    <a:solidFill>
+                      <a:schemeClr val="accent6">
+                        <a:lumMod val="75000"/>
+                      </a:schemeClr>
+                    </a:solidFill>
+                  </a:tcPr>
+                </a:tc>
+                <a:tc>
+                  <a:txBody>
+                    <a:bodyPr/>
+                    <a:lstStyle/>
+                    <a:p>
+                      <a:pPr latinLnBrk="1"/>
+                      <a:endParaRPr lang="ko-KR" altLang="en-US"/>
+                    </a:p>
+                  </a:txBody>
+                  <a:tcPr>
+                    <a:solidFill>
+                      <a:schemeClr val="accent6">
+                        <a:lumMod val="75000"/>
+                      </a:schemeClr>
+                    </a:solidFill>
+                  </a:tcPr>
+                </a:tc>
+                <a:tc>
+                  <a:txBody>
+                    <a:bodyPr/>
+                    <a:lstStyle/>
+                    <a:p>
+                      <a:pPr latinLnBrk="1"/>
+                      <a:endParaRPr lang="ko-KR" altLang="en-US"/>
+                    </a:p>
+                  </a:txBody>
+                  <a:tcPr>
+                    <a:solidFill>
+                      <a:schemeClr val="accent6">
+                        <a:lumMod val="75000"/>
+                      </a:schemeClr>
+                    </a:solidFill>
+                  </a:tcPr>
+                </a:tc>
+                <a:tc>
+                  <a:txBody>
+                    <a:bodyPr/>
+                    <a:lstStyle/>
+                    <a:p>
+                      <a:pPr latinLnBrk="1"/>
+                      <a:endParaRPr lang="ko-KR" altLang="en-US" dirty="0"/>
+                    </a:p>
+                  </a:txBody>
+                  <a:tcPr>
+                    <a:solidFill>
+                      <a:schemeClr val="accent6">
+                        <a:lumMod val="75000"/>
+                      </a:schemeClr>
+                    </a:solidFill>
+                  </a:tcPr>
+                </a:tc>
+                <a:tc>
+                  <a:txBody>
+                    <a:bodyPr/>
+                    <a:lstStyle/>
+                    <a:p>
+                      <a:pPr latinLnBrk="1"/>
+                      <a:endParaRPr lang="ko-KR" altLang="en-US"/>
+                    </a:p>
+                  </a:txBody>
+                  <a:tcPr>
+                    <a:solidFill>
+                      <a:schemeClr val="accent6">
+                        <a:lumMod val="75000"/>
+                      </a:schemeClr>
+                    </a:solidFill>
+                  </a:tcPr>
+                </a:tc>
+                <a:tc>
+                  <a:txBody>
+                    <a:bodyPr/>
+                    <a:lstStyle/>
+                    <a:p>
+                      <a:pPr latinLnBrk="1"/>
+                      <a:endParaRPr lang="ko-KR" altLang="en-US" dirty="0"/>
+                    </a:p>
+                  </a:txBody>
+                  <a:tcPr>
+                    <a:solidFill>
+                      <a:schemeClr val="accent6">
+                        <a:lumMod val="75000"/>
+                      </a:schemeClr>
+                    </a:solidFill>
+                  </a:tcPr>
+                </a:tc>
+                <a:extLst>
+                  <a:ext uri="{0D108BD9-81ED-4DB2-BD59-A6C34878D82A}">
+                    <a16:rowId xmlns:a16="http://schemas.microsoft.com/office/drawing/2014/main" val="303899932"/>
+                  </a:ext>
+                </a:extLst>
+              </a:tr>
+              <a:tr h="548111">
+                <a:tc>
+                  <a:txBody>
+                    <a:bodyPr/>
+                    <a:lstStyle/>
+                    <a:p>
+                      <a:pPr latinLnBrk="1"/>
+                      <a:endParaRPr lang="ko-KR" altLang="en-US"/>
+                    </a:p>
+                  </a:txBody>
+                  <a:tcPr>
+                    <a:solidFill>
+                      <a:schemeClr val="accent6">
+                        <a:lumMod val="75000"/>
+                      </a:schemeClr>
+                    </a:solidFill>
+                  </a:tcPr>
+                </a:tc>
+                <a:tc>
+                  <a:txBody>
+                    <a:bodyPr/>
+                    <a:lstStyle/>
+                    <a:p>
+                      <a:pPr latinLnBrk="1"/>
+                      <a:endParaRPr lang="ko-KR" altLang="en-US"/>
+                    </a:p>
+                  </a:txBody>
+                  <a:tcPr>
+                    <a:solidFill>
+                      <a:schemeClr val="accent6">
+                        <a:lumMod val="75000"/>
+                      </a:schemeClr>
+                    </a:solidFill>
+                  </a:tcPr>
+                </a:tc>
+                <a:tc>
+                  <a:txBody>
+                    <a:bodyPr/>
+                    <a:lstStyle/>
+                    <a:p>
+                      <a:pPr latinLnBrk="1"/>
+                      <a:endParaRPr lang="ko-KR" altLang="en-US" dirty="0"/>
+                    </a:p>
+                  </a:txBody>
+                  <a:tcPr>
+                    <a:solidFill>
+                      <a:schemeClr val="accent6">
+                        <a:lumMod val="75000"/>
+                      </a:schemeClr>
+                    </a:solidFill>
+                  </a:tcPr>
+                </a:tc>
+                <a:tc>
+                  <a:txBody>
+                    <a:bodyPr/>
+                    <a:lstStyle/>
+                    <a:p>
+                      <a:pPr latinLnBrk="1"/>
+                      <a:endParaRPr lang="ko-KR" altLang="en-US" dirty="0"/>
+                    </a:p>
+                  </a:txBody>
+                  <a:tcPr>
+                    <a:solidFill>
+                      <a:schemeClr val="accent6">
+                        <a:lumMod val="75000"/>
+                      </a:schemeClr>
+                    </a:solidFill>
+                  </a:tcPr>
+                </a:tc>
+                <a:tc>
+                  <a:txBody>
+                    <a:bodyPr/>
+                    <a:lstStyle/>
+                    <a:p>
+                      <a:pPr latinLnBrk="1"/>
+                      <a:endParaRPr lang="ko-KR" altLang="en-US" dirty="0"/>
+                    </a:p>
+                  </a:txBody>
+                  <a:tcPr>
+                    <a:solidFill>
+                      <a:schemeClr val="accent6">
+                        <a:lumMod val="75000"/>
+                      </a:schemeClr>
+                    </a:solidFill>
+                  </a:tcPr>
+                </a:tc>
+                <a:tc>
+                  <a:txBody>
+                    <a:bodyPr/>
+                    <a:lstStyle/>
+                    <a:p>
+                      <a:pPr latinLnBrk="1"/>
+                      <a:endParaRPr lang="ko-KR" altLang="en-US" dirty="0"/>
+                    </a:p>
+                  </a:txBody>
+                  <a:tcPr>
+                    <a:solidFill>
+                      <a:schemeClr val="accent6">
+                        <a:lumMod val="75000"/>
+                      </a:schemeClr>
+                    </a:solidFill>
+                  </a:tcPr>
+                </a:tc>
+                <a:tc>
+                  <a:txBody>
+                    <a:bodyPr/>
+                    <a:lstStyle/>
+                    <a:p>
+                      <a:pPr latinLnBrk="1"/>
+                      <a:endParaRPr lang="ko-KR" altLang="en-US"/>
+                    </a:p>
+                  </a:txBody>
+                  <a:tcPr>
+                    <a:solidFill>
+                      <a:schemeClr val="accent6">
+                        <a:lumMod val="75000"/>
+                      </a:schemeClr>
+                    </a:solidFill>
+                  </a:tcPr>
+                </a:tc>
+                <a:tc>
+                  <a:txBody>
+                    <a:bodyPr/>
+                    <a:lstStyle/>
+                    <a:p>
+                      <a:pPr latinLnBrk="1"/>
+                      <a:endParaRPr lang="ko-KR" altLang="en-US" dirty="0"/>
+                    </a:p>
+                  </a:txBody>
+                  <a:tcPr>
+                    <a:solidFill>
+                      <a:schemeClr val="accent6">
+                        <a:lumMod val="75000"/>
+                      </a:schemeClr>
+                    </a:solidFill>
+                  </a:tcPr>
+                </a:tc>
+                <a:tc>
+                  <a:txBody>
+                    <a:bodyPr/>
+                    <a:lstStyle/>
+                    <a:p>
+                      <a:pPr latinLnBrk="1"/>
+                      <a:endParaRPr lang="ko-KR" altLang="en-US" dirty="0"/>
+                    </a:p>
+                  </a:txBody>
+                  <a:tcPr>
+                    <a:solidFill>
+                      <a:schemeClr val="accent6">
+                        <a:lumMod val="75000"/>
+                      </a:schemeClr>
+                    </a:solidFill>
+                  </a:tcPr>
+                </a:tc>
+                <a:tc>
+                  <a:txBody>
+                    <a:bodyPr/>
+                    <a:lstStyle/>
+                    <a:p>
+                      <a:pPr latinLnBrk="1"/>
+                      <a:endParaRPr lang="ko-KR" altLang="en-US" dirty="0"/>
+                    </a:p>
+                  </a:txBody>
+                  <a:tcPr>
+                    <a:solidFill>
+                      <a:schemeClr val="accent6">
+                        <a:lumMod val="75000"/>
+                      </a:schemeClr>
+                    </a:solidFill>
+                  </a:tcPr>
+                </a:tc>
+                <a:extLst>
+                  <a:ext uri="{0D108BD9-81ED-4DB2-BD59-A6C34878D82A}">
+                    <a16:rowId xmlns:a16="http://schemas.microsoft.com/office/drawing/2014/main" val="1927007644"/>
+                  </a:ext>
+                </a:extLst>
+              </a:tr>
+              <a:tr h="548111">
+                <a:tc>
+                  <a:txBody>
+                    <a:bodyPr/>
+                    <a:lstStyle/>
+                    <a:p>
+                      <a:pPr latinLnBrk="1"/>
+                      <a:endParaRPr lang="ko-KR" altLang="en-US" dirty="0"/>
+                    </a:p>
+                  </a:txBody>
+                  <a:tcPr>
+                    <a:solidFill>
+                      <a:schemeClr val="accent2">
+                        <a:lumMod val="75000"/>
+                      </a:schemeClr>
+                    </a:solidFill>
+                  </a:tcPr>
+                </a:tc>
+                <a:tc>
+                  <a:txBody>
+                    <a:bodyPr/>
+                    <a:lstStyle/>
+                    <a:p>
+                      <a:pPr latinLnBrk="1"/>
+                      <a:r>
+                        <a:rPr lang="en-US" altLang="ko-KR" dirty="0"/>
+                        <a:t>V0</a:t>
+                      </a:r>
+                      <a:endParaRPr lang="ko-KR" altLang="en-US" dirty="0"/>
+                    </a:p>
+                  </a:txBody>
+                  <a:tcPr>
+                    <a:solidFill>
+                      <a:schemeClr val="tx2"/>
+                    </a:solidFill>
+                  </a:tcPr>
+                </a:tc>
+                <a:tc>
+                  <a:txBody>
+                    <a:bodyPr/>
+                    <a:lstStyle/>
+                    <a:p>
+                      <a:pPr latinLnBrk="1"/>
+                      <a:endParaRPr lang="ko-KR" altLang="en-US" dirty="0"/>
+                    </a:p>
+                  </a:txBody>
+                  <a:tcPr>
+                    <a:solidFill>
+                      <a:schemeClr val="tx2"/>
+                    </a:solidFill>
+                  </a:tcPr>
+                </a:tc>
+                <a:tc>
+                  <a:txBody>
+                    <a:bodyPr/>
+                    <a:lstStyle/>
+                    <a:p>
+                      <a:pPr latinLnBrk="1"/>
+                      <a:endParaRPr lang="ko-KR" altLang="en-US" dirty="0"/>
+                    </a:p>
+                  </a:txBody>
+                  <a:tcPr>
+                    <a:solidFill>
+                      <a:schemeClr val="tx2"/>
+                    </a:solidFill>
+                  </a:tcPr>
+                </a:tc>
+                <a:tc>
+                  <a:txBody>
+                    <a:bodyPr/>
+                    <a:lstStyle/>
+                    <a:p>
+                      <a:pPr latinLnBrk="1"/>
+                      <a:endParaRPr lang="ko-KR" altLang="en-US" dirty="0"/>
+                    </a:p>
+                  </a:txBody>
+                  <a:tcPr>
+                    <a:solidFill>
+                      <a:schemeClr val="tx2"/>
+                    </a:solidFill>
+                  </a:tcPr>
+                </a:tc>
+                <a:tc>
+                  <a:txBody>
+                    <a:bodyPr/>
+                    <a:lstStyle/>
+                    <a:p>
+                      <a:pPr latinLnBrk="1"/>
+                      <a:r>
+                        <a:rPr lang="en-US" altLang="ko-KR" dirty="0"/>
+                        <a:t>V1</a:t>
+                      </a:r>
+                      <a:endParaRPr lang="ko-KR" altLang="en-US" dirty="0"/>
+                    </a:p>
+                  </a:txBody>
+                  <a:tcPr>
+                    <a:solidFill>
+                      <a:schemeClr val="tx2"/>
+                    </a:solidFill>
+                  </a:tcPr>
+                </a:tc>
+                <a:tc>
+                  <a:txBody>
+                    <a:bodyPr/>
+                    <a:lstStyle/>
+                    <a:p>
+                      <a:pPr latinLnBrk="1"/>
+                      <a:endParaRPr lang="ko-KR" altLang="en-US" dirty="0"/>
+                    </a:p>
+                  </a:txBody>
+                  <a:tcPr>
+                    <a:solidFill>
+                      <a:schemeClr val="tx2"/>
+                    </a:solidFill>
+                  </a:tcPr>
+                </a:tc>
+                <a:tc>
+                  <a:txBody>
+                    <a:bodyPr/>
+                    <a:lstStyle/>
+                    <a:p>
+                      <a:pPr latinLnBrk="1"/>
+                      <a:endParaRPr lang="ko-KR" altLang="en-US" dirty="0"/>
+                    </a:p>
+                  </a:txBody>
+                  <a:tcPr>
+                    <a:solidFill>
+                      <a:schemeClr val="tx2"/>
+                    </a:solidFill>
+                  </a:tcPr>
+                </a:tc>
+                <a:tc>
+                  <a:txBody>
+                    <a:bodyPr/>
+                    <a:lstStyle/>
+                    <a:p>
+                      <a:pPr latinLnBrk="1"/>
+                      <a:endParaRPr lang="ko-KR" altLang="en-US" dirty="0"/>
+                    </a:p>
+                  </a:txBody>
+                  <a:tcPr>
+                    <a:solidFill>
+                      <a:schemeClr val="tx2"/>
+                    </a:solidFill>
+                  </a:tcPr>
+                </a:tc>
+                <a:tc>
+                  <a:txBody>
+                    <a:bodyPr/>
+                    <a:lstStyle/>
+                    <a:p>
+                      <a:pPr latinLnBrk="1"/>
+                      <a:endParaRPr lang="ko-KR" altLang="en-US" dirty="0"/>
+                    </a:p>
+                  </a:txBody>
+                  <a:tcPr>
+                    <a:solidFill>
+                      <a:schemeClr val="accent2">
+                        <a:lumMod val="75000"/>
+                      </a:schemeClr>
+                    </a:solidFill>
+                  </a:tcPr>
+                </a:tc>
+                <a:extLst>
+                  <a:ext uri="{0D108BD9-81ED-4DB2-BD59-A6C34878D82A}">
+                    <a16:rowId xmlns:a16="http://schemas.microsoft.com/office/drawing/2014/main" val="3084996494"/>
+                  </a:ext>
+                </a:extLst>
+              </a:tr>
+              <a:tr h="548111">
+                <a:tc>
+                  <a:txBody>
+                    <a:bodyPr/>
+                    <a:lstStyle/>
+                    <a:p>
+                      <a:pPr latinLnBrk="1"/>
+                      <a:endParaRPr lang="ko-KR" altLang="en-US" dirty="0"/>
+                    </a:p>
+                  </a:txBody>
+                  <a:tcPr>
+                    <a:solidFill>
+                      <a:schemeClr val="accent2">
+                        <a:lumMod val="75000"/>
+                      </a:schemeClr>
+                    </a:solidFill>
+                  </a:tcPr>
+                </a:tc>
+                <a:tc>
+                  <a:txBody>
+                    <a:bodyPr/>
+                    <a:lstStyle/>
+                    <a:p>
+                      <a:pPr latinLnBrk="1"/>
+                      <a:r>
+                        <a:rPr lang="en-US" altLang="ko-KR" dirty="0"/>
+                        <a:t>V2</a:t>
+                      </a:r>
+                      <a:endParaRPr lang="ko-KR" altLang="en-US" dirty="0"/>
+                    </a:p>
+                  </a:txBody>
+                  <a:tcPr>
+                    <a:solidFill>
+                      <a:schemeClr val="accent3">
+                        <a:lumMod val="60000"/>
+                        <a:lumOff val="40000"/>
+                      </a:schemeClr>
+                    </a:solidFill>
+                  </a:tcPr>
+                </a:tc>
+                <a:tc>
+                  <a:txBody>
+                    <a:bodyPr/>
+                    <a:lstStyle/>
+                    <a:p>
+                      <a:pPr latinLnBrk="1"/>
+                      <a:endParaRPr lang="ko-KR" altLang="en-US" dirty="0"/>
+                    </a:p>
+                  </a:txBody>
+                  <a:tcPr>
+                    <a:solidFill>
+                      <a:schemeClr val="accent3">
+                        <a:lumMod val="60000"/>
+                        <a:lumOff val="40000"/>
+                      </a:schemeClr>
+                    </a:solidFill>
+                  </a:tcPr>
+                </a:tc>
+                <a:tc>
+                  <a:txBody>
+                    <a:bodyPr/>
+                    <a:lstStyle/>
+                    <a:p>
+                      <a:pPr latinLnBrk="1"/>
+                      <a:endParaRPr lang="ko-KR" altLang="en-US" dirty="0"/>
+                    </a:p>
+                  </a:txBody>
+                  <a:tcPr>
+                    <a:solidFill>
+                      <a:schemeClr val="accent3">
+                        <a:lumMod val="60000"/>
+                        <a:lumOff val="40000"/>
+                      </a:schemeClr>
+                    </a:solidFill>
+                  </a:tcPr>
+                </a:tc>
+                <a:tc>
+                  <a:txBody>
+                    <a:bodyPr/>
+                    <a:lstStyle/>
+                    <a:p>
+                      <a:pPr latinLnBrk="1"/>
+                      <a:endParaRPr lang="ko-KR" altLang="en-US" dirty="0"/>
+                    </a:p>
+                  </a:txBody>
+                  <a:tcPr>
+                    <a:solidFill>
+                      <a:schemeClr val="accent3">
+                        <a:lumMod val="60000"/>
+                        <a:lumOff val="40000"/>
+                      </a:schemeClr>
+                    </a:solidFill>
+                  </a:tcPr>
+                </a:tc>
+                <a:tc>
+                  <a:txBody>
+                    <a:bodyPr/>
+                    <a:lstStyle/>
+                    <a:p>
+                      <a:pPr latinLnBrk="1"/>
+                      <a:r>
+                        <a:rPr lang="en-US" altLang="ko-KR" dirty="0"/>
+                        <a:t>V3</a:t>
+                      </a:r>
+                      <a:endParaRPr lang="ko-KR" altLang="en-US" dirty="0"/>
+                    </a:p>
+                  </a:txBody>
+                  <a:tcPr>
+                    <a:solidFill>
+                      <a:schemeClr val="accent3">
+                        <a:lumMod val="60000"/>
+                        <a:lumOff val="40000"/>
+                      </a:schemeClr>
+                    </a:solidFill>
+                  </a:tcPr>
+                </a:tc>
+                <a:tc>
+                  <a:txBody>
+                    <a:bodyPr/>
+                    <a:lstStyle/>
+                    <a:p>
+                      <a:pPr latinLnBrk="1"/>
+                      <a:endParaRPr lang="ko-KR" altLang="en-US" dirty="0"/>
+                    </a:p>
+                  </a:txBody>
+                  <a:tcPr>
+                    <a:solidFill>
+                      <a:schemeClr val="accent3">
+                        <a:lumMod val="60000"/>
+                        <a:lumOff val="40000"/>
+                      </a:schemeClr>
+                    </a:solidFill>
+                  </a:tcPr>
+                </a:tc>
+                <a:tc>
+                  <a:txBody>
+                    <a:bodyPr/>
+                    <a:lstStyle/>
+                    <a:p>
+                      <a:pPr latinLnBrk="1"/>
+                      <a:endParaRPr lang="ko-KR" altLang="en-US" dirty="0"/>
+                    </a:p>
+                  </a:txBody>
+                  <a:tcPr>
+                    <a:solidFill>
+                      <a:schemeClr val="accent3">
+                        <a:lumMod val="60000"/>
+                        <a:lumOff val="40000"/>
+                      </a:schemeClr>
+                    </a:solidFill>
+                  </a:tcPr>
+                </a:tc>
+                <a:tc>
+                  <a:txBody>
+                    <a:bodyPr/>
+                    <a:lstStyle/>
+                    <a:p>
+                      <a:pPr latinLnBrk="1"/>
+                      <a:endParaRPr lang="ko-KR" altLang="en-US" dirty="0"/>
+                    </a:p>
+                  </a:txBody>
+                  <a:tcPr>
+                    <a:solidFill>
+                      <a:schemeClr val="accent3">
+                        <a:lumMod val="60000"/>
+                        <a:lumOff val="40000"/>
+                      </a:schemeClr>
+                    </a:solidFill>
+                  </a:tcPr>
+                </a:tc>
+                <a:tc>
+                  <a:txBody>
+                    <a:bodyPr/>
+                    <a:lstStyle/>
+                    <a:p>
+                      <a:pPr latinLnBrk="1"/>
+                      <a:endParaRPr lang="ko-KR" altLang="en-US" dirty="0"/>
+                    </a:p>
+                  </a:txBody>
+                  <a:tcPr>
+                    <a:solidFill>
+                      <a:schemeClr val="accent2">
+                        <a:lumMod val="75000"/>
+                      </a:schemeClr>
+                    </a:solidFill>
+                  </a:tcPr>
+                </a:tc>
+                <a:extLst>
+                  <a:ext uri="{0D108BD9-81ED-4DB2-BD59-A6C34878D82A}">
+                    <a16:rowId xmlns:a16="http://schemas.microsoft.com/office/drawing/2014/main" val="2290875037"/>
+                  </a:ext>
+                </a:extLst>
+              </a:tr>
+              <a:tr h="548111">
+                <a:tc>
+                  <a:txBody>
+                    <a:bodyPr/>
+                    <a:lstStyle/>
+                    <a:p>
+                      <a:pPr latinLnBrk="1"/>
+                      <a:endParaRPr lang="ko-KR" altLang="en-US" dirty="0"/>
+                    </a:p>
+                  </a:txBody>
+                  <a:tcPr>
+                    <a:solidFill>
+                      <a:schemeClr val="accent2">
+                        <a:lumMod val="75000"/>
+                      </a:schemeClr>
+                    </a:solidFill>
+                  </a:tcPr>
+                </a:tc>
+                <a:tc>
+                  <a:txBody>
+                    <a:bodyPr/>
+                    <a:lstStyle/>
+                    <a:p>
+                      <a:pPr latinLnBrk="1"/>
+                      <a:r>
+                        <a:rPr lang="en-US" altLang="ko-KR" dirty="0"/>
+                        <a:t>V4</a:t>
+                      </a:r>
+                      <a:endParaRPr lang="ko-KR" altLang="en-US" dirty="0"/>
+                    </a:p>
+                  </a:txBody>
+                  <a:tcPr>
+                    <a:solidFill>
+                      <a:schemeClr val="bg1"/>
+                    </a:solidFill>
+                  </a:tcPr>
+                </a:tc>
+                <a:tc>
+                  <a:txBody>
+                    <a:bodyPr/>
+                    <a:lstStyle/>
+                    <a:p>
+                      <a:pPr latinLnBrk="1"/>
+                      <a:endParaRPr lang="ko-KR" altLang="en-US" dirty="0"/>
+                    </a:p>
+                  </a:txBody>
+                  <a:tcPr>
+                    <a:solidFill>
+                      <a:schemeClr val="bg1"/>
+                    </a:solidFill>
+                  </a:tcPr>
+                </a:tc>
+                <a:tc>
+                  <a:txBody>
+                    <a:bodyPr/>
+                    <a:lstStyle/>
+                    <a:p>
+                      <a:pPr latinLnBrk="1"/>
+                      <a:endParaRPr lang="ko-KR" altLang="en-US" dirty="0"/>
+                    </a:p>
+                  </a:txBody>
+                  <a:tcPr>
+                    <a:solidFill>
+                      <a:schemeClr val="bg1"/>
+                    </a:solidFill>
+                  </a:tcPr>
+                </a:tc>
+                <a:tc>
+                  <a:txBody>
+                    <a:bodyPr/>
+                    <a:lstStyle/>
+                    <a:p>
+                      <a:pPr latinLnBrk="1"/>
+                      <a:endParaRPr lang="ko-KR" altLang="en-US" dirty="0"/>
+                    </a:p>
+                  </a:txBody>
+                  <a:tcPr>
+                    <a:solidFill>
+                      <a:schemeClr val="bg1"/>
+                    </a:solidFill>
+                  </a:tcPr>
+                </a:tc>
+                <a:tc>
+                  <a:txBody>
+                    <a:bodyPr/>
+                    <a:lstStyle/>
+                    <a:p>
+                      <a:pPr latinLnBrk="1"/>
+                      <a:endParaRPr lang="ko-KR" altLang="en-US" dirty="0"/>
+                    </a:p>
+                  </a:txBody>
+                  <a:tcPr>
+                    <a:solidFill>
+                      <a:schemeClr val="accent2">
+                        <a:lumMod val="75000"/>
+                      </a:schemeClr>
+                    </a:solidFill>
+                  </a:tcPr>
+                </a:tc>
+                <a:tc>
+                  <a:txBody>
+                    <a:bodyPr/>
+                    <a:lstStyle/>
+                    <a:p>
+                      <a:pPr latinLnBrk="1"/>
+                      <a:endParaRPr lang="ko-KR" altLang="en-US" dirty="0"/>
+                    </a:p>
+                  </a:txBody>
+                  <a:tcPr>
+                    <a:solidFill>
+                      <a:schemeClr val="accent2">
+                        <a:lumMod val="75000"/>
+                      </a:schemeClr>
+                    </a:solidFill>
+                  </a:tcPr>
+                </a:tc>
+                <a:tc>
+                  <a:txBody>
+                    <a:bodyPr/>
+                    <a:lstStyle/>
+                    <a:p>
+                      <a:pPr latinLnBrk="1"/>
+                      <a:endParaRPr lang="ko-KR" altLang="en-US" dirty="0"/>
+                    </a:p>
+                  </a:txBody>
+                  <a:tcPr>
+                    <a:solidFill>
+                      <a:schemeClr val="accent2">
+                        <a:lumMod val="75000"/>
+                      </a:schemeClr>
+                    </a:solidFill>
+                  </a:tcPr>
+                </a:tc>
+                <a:tc>
+                  <a:txBody>
+                    <a:bodyPr/>
+                    <a:lstStyle/>
+                    <a:p>
+                      <a:pPr latinLnBrk="1"/>
+                      <a:endParaRPr lang="ko-KR" altLang="en-US" dirty="0"/>
+                    </a:p>
+                  </a:txBody>
+                  <a:tcPr>
+                    <a:solidFill>
+                      <a:schemeClr val="accent2">
+                        <a:lumMod val="75000"/>
+                      </a:schemeClr>
+                    </a:solidFill>
+                  </a:tcPr>
+                </a:tc>
+                <a:tc>
+                  <a:txBody>
+                    <a:bodyPr/>
+                    <a:lstStyle/>
+                    <a:p>
+                      <a:pPr latinLnBrk="1"/>
+                      <a:endParaRPr lang="ko-KR" altLang="en-US" dirty="0"/>
+                    </a:p>
+                  </a:txBody>
+                  <a:tcPr>
+                    <a:solidFill>
+                      <a:schemeClr val="accent2">
+                        <a:lumMod val="75000"/>
+                      </a:schemeClr>
+                    </a:solidFill>
+                  </a:tcPr>
+                </a:tc>
+                <a:extLst>
+                  <a:ext uri="{0D108BD9-81ED-4DB2-BD59-A6C34878D82A}">
+                    <a16:rowId xmlns:a16="http://schemas.microsoft.com/office/drawing/2014/main" val="2304940478"/>
+                  </a:ext>
+                </a:extLst>
+              </a:tr>
+            </a:tbl>
+          </a:graphicData>
+        </a:graphic>
+      </p:graphicFrame>
     </p:spTree>
     <p:extLst>
       <p:ext uri="{BB962C8B-B14F-4D97-AF65-F5344CB8AC3E}">
@@ -6472,7 +10325,7 @@
 </p:sld>
 </file>
 
-<file path=ppt/slides/slide17.xml><?xml version="1.0" encoding="utf-8"?>
+<file path=ppt/slides/slide18.xml><?xml version="1.0" encoding="utf-8"?>
 <p:sld xmlns:a="http://schemas.openxmlformats.org/drawingml/2006/main" xmlns:r="http://schemas.openxmlformats.org/officeDocument/2006/relationships" xmlns:p="http://schemas.openxmlformats.org/presentationml/2006/main">
   <p:cSld>
     <p:spTree>
@@ -6502,7 +10355,7 @@
 </p:sld>
 </file>
 
-<file path=ppt/slides/slide18.xml><?xml version="1.0" encoding="utf-8"?>
+<file path=ppt/slides/slide19.xml><?xml version="1.0" encoding="utf-8"?>
 <p:sld xmlns:a="http://schemas.openxmlformats.org/drawingml/2006/main" xmlns:r="http://schemas.openxmlformats.org/officeDocument/2006/relationships" xmlns:p="http://schemas.openxmlformats.org/presentationml/2006/main">
   <p:cSld>
     <p:spTree>
